--- a/docs/CSE222A_Poster_new.pptx
+++ b/docs/CSE222A_Poster_new.pptx
@@ -4495,77 +4495,77 @@
                 <a:buChar char="•"/>
               </a:pPr>
               <a:r>
-                <a:rPr lang="en-US" sz="4400" b="1" dirty="0">
+                <a:rPr lang="en-US" sz="4400" dirty="0">
                   <a:latin typeface="Franklin Gothic Book"/>
                   <a:cs typeface="Franklin Gothic Book"/>
                 </a:rPr>
                 <a:t>Motivation: Current </a:t>
               </a:r>
               <a:r>
-                <a:rPr lang="en-US" sz="4400" b="1" dirty="0" err="1">
+                <a:rPr lang="en-US" sz="4400" dirty="0" err="1">
                   <a:latin typeface="Franklin Gothic Book"/>
                   <a:cs typeface="Franklin Gothic Book"/>
                 </a:rPr>
                 <a:t>coflow</a:t>
               </a:r>
               <a:r>
-                <a:rPr lang="en-US" sz="4400" b="1" dirty="0">
+                <a:rPr lang="en-US" sz="4400" dirty="0">
                   <a:latin typeface="Franklin Gothic Book"/>
                   <a:cs typeface="Franklin Gothic Book"/>
                 </a:rPr>
                 <a:t> schedulers require applications to identify </a:t>
               </a:r>
               <a:r>
-                <a:rPr lang="en-US" sz="4400" b="1" dirty="0" err="1">
+                <a:rPr lang="en-US" sz="4400" dirty="0" err="1">
                   <a:latin typeface="Franklin Gothic Book"/>
                   <a:cs typeface="Franklin Gothic Book"/>
                 </a:rPr>
                 <a:t>coflows</a:t>
               </a:r>
               <a:r>
-                <a:rPr lang="en-US" sz="4400" b="1" dirty="0">
+                <a:rPr lang="en-US" sz="4400" dirty="0">
                   <a:latin typeface="Franklin Gothic Book"/>
                   <a:cs typeface="Franklin Gothic Book"/>
                 </a:rPr>
                 <a:t> to the scheduler via an API. Future use of </a:t>
               </a:r>
               <a:r>
-                <a:rPr lang="en-US" sz="4400" b="1" dirty="0" err="1">
+                <a:rPr lang="en-US" sz="4400" dirty="0" err="1">
                   <a:latin typeface="Franklin Gothic Book"/>
                   <a:cs typeface="Franklin Gothic Book"/>
                 </a:rPr>
                 <a:t>coflow</a:t>
               </a:r>
               <a:r>
-                <a:rPr lang="en-US" sz="4400" b="1" dirty="0">
+                <a:rPr lang="en-US" sz="4400" dirty="0">
                   <a:latin typeface="Franklin Gothic Book"/>
                   <a:cs typeface="Franklin Gothic Book"/>
                 </a:rPr>
                 <a:t> schedulers would be supported by automatic </a:t>
               </a:r>
               <a:r>
-                <a:rPr lang="en-US" sz="4400" b="1" dirty="0" err="1">
+                <a:rPr lang="en-US" sz="4400" dirty="0" err="1">
                   <a:latin typeface="Franklin Gothic Book"/>
                   <a:cs typeface="Franklin Gothic Book"/>
                 </a:rPr>
                 <a:t>coflow</a:t>
               </a:r>
               <a:r>
-                <a:rPr lang="en-US" sz="4400" b="1" dirty="0">
+                <a:rPr lang="en-US" sz="4400" dirty="0">
                   <a:latin typeface="Franklin Gothic Book"/>
                   <a:cs typeface="Franklin Gothic Book"/>
                 </a:rPr>
                 <a:t> </a:t>
               </a:r>
               <a:r>
-                <a:rPr lang="en-US" sz="4400" b="1" dirty="0" err="1">
+                <a:rPr lang="en-US" sz="4400" dirty="0" err="1">
                   <a:latin typeface="Franklin Gothic Book"/>
                   <a:cs typeface="Franklin Gothic Book"/>
                 </a:rPr>
                 <a:t>identication</a:t>
               </a:r>
               <a:r>
-                <a:rPr lang="en-US" sz="4400" b="1" dirty="0">
+                <a:rPr lang="en-US" sz="4400" dirty="0">
                   <a:latin typeface="Franklin Gothic Book"/>
                   <a:cs typeface="Franklin Gothic Book"/>
                 </a:rPr>
@@ -4581,56 +4581,56 @@
                 <a:buChar char="•"/>
               </a:pPr>
               <a:r>
-                <a:rPr lang="en-US" sz="4400" b="1" dirty="0">
+                <a:rPr lang="en-US" sz="4400" dirty="0">
                   <a:latin typeface="Franklin Gothic Book"/>
                   <a:cs typeface="Franklin Gothic Book"/>
                 </a:rPr>
                 <a:t>Automatic </a:t>
               </a:r>
               <a:r>
-                <a:rPr lang="en-US" sz="4400" b="1" dirty="0" err="1">
+                <a:rPr lang="en-US" sz="4400" dirty="0" err="1">
                   <a:latin typeface="Franklin Gothic Book"/>
                   <a:cs typeface="Franklin Gothic Book"/>
                 </a:rPr>
                 <a:t>coflow</a:t>
               </a:r>
               <a:r>
-                <a:rPr lang="en-US" sz="4400" b="1" dirty="0">
+                <a:rPr lang="en-US" sz="4400" dirty="0">
                   <a:latin typeface="Franklin Gothic Book"/>
                   <a:cs typeface="Franklin Gothic Book"/>
                 </a:rPr>
                 <a:t> identification techniques will be less than 100% accurate, so it is useful to evaluate the performance of state-of-the-art </a:t>
               </a:r>
               <a:r>
-                <a:rPr lang="en-US" sz="4400" b="1" dirty="0" err="1">
+                <a:rPr lang="en-US" sz="4400" dirty="0" err="1">
                   <a:latin typeface="Franklin Gothic Book"/>
                   <a:cs typeface="Franklin Gothic Book"/>
                 </a:rPr>
                 <a:t>coflow</a:t>
               </a:r>
               <a:r>
-                <a:rPr lang="en-US" sz="4400" b="1" dirty="0">
+                <a:rPr lang="en-US" sz="4400" dirty="0">
                   <a:latin typeface="Franklin Gothic Book"/>
                   <a:cs typeface="Franklin Gothic Book"/>
                 </a:rPr>
                 <a:t> schedulers as a function of knowledge of flows in a </a:t>
               </a:r>
               <a:r>
-                <a:rPr lang="en-US" sz="4400" b="1" dirty="0" err="1">
+                <a:rPr lang="en-US" sz="4400" dirty="0" err="1">
                   <a:latin typeface="Franklin Gothic Book"/>
                   <a:cs typeface="Franklin Gothic Book"/>
                 </a:rPr>
                 <a:t>coflow</a:t>
               </a:r>
               <a:r>
-                <a:rPr lang="en-US" sz="4400" b="1" dirty="0">
+                <a:rPr lang="en-US" sz="4400" dirty="0">
                   <a:latin typeface="Franklin Gothic Book"/>
                   <a:cs typeface="Franklin Gothic Book"/>
                 </a:rPr>
                 <a:t>.</a:t>
               </a:r>
               <a:r>
-                <a:rPr lang="en-US" sz="4400" b="1" dirty="0">
+                <a:rPr lang="en-US" sz="4400" dirty="0">
                   <a:solidFill>
                     <a:srgbClr val="FF0000"/>
                   </a:solidFill>
@@ -4649,7 +4649,7 @@
                 <a:buChar char="•"/>
               </a:pPr>
               <a:r>
-                <a:rPr lang="en-US" sz="4400" b="1" dirty="0">
+                <a:rPr lang="en-US" sz="4400" dirty="0">
                   <a:solidFill>
                     <a:srgbClr val="FF0000"/>
                   </a:solidFill>
@@ -4671,9 +4671,9 @@
         <p:grpSpPr>
           <a:xfrm>
             <a:off x="29811064" y="15355052"/>
-            <a:ext cx="13128326" cy="12563742"/>
+            <a:ext cx="13128326" cy="3268891"/>
             <a:chOff x="1151866" y="26163754"/>
-            <a:chExt cx="13128326" cy="12563742"/>
+            <a:chExt cx="13128326" cy="3268891"/>
           </a:xfrm>
         </p:grpSpPr>
         <p:sp>
@@ -4720,25 +4720,22 @@
             <a:p>
               <a:pPr algn="ctr"/>
               <a:r>
-                <a:rPr lang="en-US" sz="5600" dirty="0" err="1">
+                <a:rPr lang="en-US" sz="5600" dirty="0" smtClean="0">
                   <a:solidFill>
                     <a:schemeClr val="bg1"/>
                   </a:solidFill>
                   <a:latin typeface="Franklin Gothic Medium"/>
                   <a:cs typeface="Franklin Gothic Medium"/>
                 </a:rPr>
-                <a:t>Coflow</a:t>
-              </a:r>
-              <a:r>
-                <a:rPr lang="en-US" sz="5600" dirty="0">
-                  <a:solidFill>
-                    <a:schemeClr val="bg1"/>
-                  </a:solidFill>
-                  <a:latin typeface="Franklin Gothic Medium"/>
-                  <a:cs typeface="Franklin Gothic Medium"/>
-                </a:rPr>
-                <a:t> Abstraction [1], [2]</a:t>
-              </a:r>
+                <a:t>Results</a:t>
+              </a:r>
+              <a:endParaRPr lang="en-US" sz="5600" dirty="0">
+                <a:solidFill>
+                  <a:schemeClr val="bg1"/>
+                </a:solidFill>
+                <a:latin typeface="Franklin Gothic Medium"/>
+                <a:cs typeface="Franklin Gothic Medium"/>
+              </a:endParaRPr>
             </a:p>
           </p:txBody>
         </p:sp>
@@ -4751,7 +4748,7 @@
           <p:spPr>
             <a:xfrm>
               <a:off x="1151866" y="27078154"/>
-              <a:ext cx="13128326" cy="11649342"/>
+              <a:ext cx="13128326" cy="2354491"/>
             </a:xfrm>
             <a:prstGeom prst="rect">
               <a:avLst/>
@@ -4790,105 +4787,29 @@
                 <a:buChar char="•"/>
               </a:pPr>
               <a:r>
-                <a:rPr lang="en-US" sz="4400" b="1" dirty="0">
+                <a:rPr lang="en-US" sz="4400" dirty="0">
+                  <a:solidFill>
+                    <a:srgbClr val="FF0000"/>
+                  </a:solidFill>
                   <a:latin typeface="Franklin Gothic Book"/>
                   <a:cs typeface="Franklin Gothic Book"/>
                 </a:rPr>
-                <a:t>Motivation</a:t>
-              </a:r>
-              <a:r>
-                <a:rPr lang="en-US" sz="4400" dirty="0">
+                <a:t>Graph of average CCT for increasing number of unlabeled flows in </a:t>
+              </a:r>
+              <a:r>
+                <a:rPr lang="en-US" sz="4400" dirty="0" err="1">
+                  <a:solidFill>
+                    <a:srgbClr val="FF0000"/>
+                  </a:solidFill>
                   <a:latin typeface="Franklin Gothic Book"/>
                   <a:cs typeface="Franklin Gothic Book"/>
                 </a:rPr>
-                <a:t>: Data parallel application-aware cluster network scheduling. </a:t>
-              </a:r>
-            </a:p>
-            <a:p>
-              <a:pPr marL="571500" indent="-571500">
-                <a:spcAft>
-                  <a:spcPts val="1800"/>
-                </a:spcAft>
-                <a:buFont typeface="Arial"/>
-                <a:buChar char="•"/>
-              </a:pPr>
-              <a:r>
-                <a:rPr lang="en-US" sz="4400" b="1" dirty="0">
-                  <a:latin typeface="Franklin Gothic Book"/>
-                  <a:cs typeface="Franklin Gothic Book"/>
-                </a:rPr>
-                <a:t>Definition</a:t>
-              </a:r>
-              <a:r>
-                <a:rPr lang="en-US" sz="4400" dirty="0">
-                  <a:latin typeface="Franklin Gothic Book"/>
-                  <a:cs typeface="Franklin Gothic Book"/>
-                </a:rPr>
-                <a:t>: A collection of flows that have a common goal. </a:t>
-              </a:r>
-            </a:p>
-            <a:p>
-              <a:pPr marL="571500" indent="-571500">
-                <a:spcAft>
-                  <a:spcPts val="1800"/>
-                </a:spcAft>
-                <a:buFont typeface="Arial"/>
-                <a:buChar char="•"/>
-              </a:pPr>
-              <a:r>
-                <a:rPr lang="en-US" sz="4400" b="1" dirty="0">
-                  <a:latin typeface="Franklin Gothic Book"/>
-                  <a:cs typeface="Franklin Gothic Book"/>
-                </a:rPr>
-                <a:t>Examples</a:t>
-              </a:r>
-              <a:r>
-                <a:rPr lang="en-US" sz="4400" dirty="0">
-                  <a:latin typeface="Franklin Gothic Book"/>
-                  <a:cs typeface="Franklin Gothic Book"/>
-                </a:rPr>
-                <a:t>: Shuffle in Map-Reduce, bulk synchronous processing</a:t>
-              </a:r>
-            </a:p>
-            <a:p>
-              <a:pPr marL="571500" indent="-571500">
-                <a:spcAft>
-                  <a:spcPts val="1800"/>
-                </a:spcAft>
-                <a:buFont typeface="Arial"/>
-                <a:buChar char="•"/>
-              </a:pPr>
-              <a:r>
-                <a:rPr lang="en-US" sz="4400" dirty="0" err="1">
-                  <a:latin typeface="Franklin Gothic Book"/>
-                  <a:cs typeface="Franklin Gothic Book"/>
-                </a:rPr>
-                <a:t>Coflow</a:t>
-              </a:r>
-              <a:r>
-                <a:rPr lang="en-US" sz="4400" dirty="0">
-                  <a:latin typeface="Franklin Gothic Book"/>
-                  <a:cs typeface="Franklin Gothic Book"/>
-                </a:rPr>
-                <a:t> completion time (CCT) is what matters to application</a:t>
-              </a:r>
-              <a:r>
-                <a:rPr lang="en-US" sz="4400" dirty="0" smtClean="0">
-                  <a:latin typeface="Franklin Gothic Book"/>
-                  <a:cs typeface="Franklin Gothic Book"/>
-                </a:rPr>
-                <a:t>.</a:t>
-              </a:r>
-            </a:p>
-            <a:p>
-              <a:pPr marL="571500" indent="-571500">
-                <a:spcAft>
-                  <a:spcPts val="1800"/>
-                </a:spcAft>
-                <a:buFont typeface="Arial"/>
-                <a:buChar char="•"/>
-              </a:pPr>
+                <a:t>coflow</a:t>
+              </a:r>
               <a:endParaRPr lang="en-US" sz="4400" dirty="0">
+                <a:solidFill>
+                  <a:srgbClr val="FF0000"/>
+                </a:solidFill>
                 <a:latin typeface="Franklin Gothic Book"/>
                 <a:cs typeface="Franklin Gothic Book"/>
               </a:endParaRPr>
@@ -4901,62 +4822,16 @@
                 <a:buFont typeface="Arial"/>
                 <a:buChar char="•"/>
               </a:pPr>
-              <a:endParaRPr lang="en-US" sz="4400" dirty="0" smtClean="0">
-                <a:latin typeface="Franklin Gothic Book"/>
-                <a:cs typeface="Franklin Gothic Book"/>
-              </a:endParaRPr>
-            </a:p>
-            <a:p>
-              <a:pPr marL="571500" indent="-571500">
-                <a:spcAft>
-                  <a:spcPts val="1800"/>
-                </a:spcAft>
-                <a:buFont typeface="Arial"/>
-                <a:buChar char="•"/>
-              </a:pPr>
-              <a:endParaRPr lang="en-US" sz="4400" dirty="0">
-                <a:latin typeface="Franklin Gothic Book"/>
-                <a:cs typeface="Franklin Gothic Book"/>
-              </a:endParaRPr>
-            </a:p>
-            <a:p>
-              <a:pPr marL="571500" indent="-571500">
-                <a:spcAft>
-                  <a:spcPts val="1800"/>
-                </a:spcAft>
-                <a:buFont typeface="Arial"/>
-                <a:buChar char="•"/>
-              </a:pPr>
-              <a:endParaRPr lang="en-US" sz="4400" dirty="0" smtClean="0">
-                <a:latin typeface="Franklin Gothic Book"/>
-                <a:cs typeface="Franklin Gothic Book"/>
-              </a:endParaRPr>
-            </a:p>
-            <a:p>
-              <a:pPr marL="571500" indent="-571500">
-                <a:spcAft>
-                  <a:spcPts val="1800"/>
-                </a:spcAft>
-                <a:buFont typeface="Arial"/>
-                <a:buChar char="•"/>
-              </a:pPr>
-              <a:endParaRPr lang="en-US" sz="4400" dirty="0">
-                <a:latin typeface="Franklin Gothic Book"/>
-                <a:cs typeface="Franklin Gothic Book"/>
-              </a:endParaRPr>
-            </a:p>
-            <a:p>
-              <a:pPr marL="571500" indent="-571500">
-                <a:spcAft>
-                  <a:spcPts val="1800"/>
-                </a:spcAft>
-                <a:buFont typeface="Arial"/>
-                <a:buChar char="•"/>
-              </a:pPr>
-              <a:endParaRPr lang="en-US" sz="4400" dirty="0" smtClean="0">
-                <a:latin typeface="Franklin Gothic Book"/>
-                <a:cs typeface="Franklin Gothic Book"/>
-              </a:endParaRPr>
+              <a:r>
+                <a:rPr lang="en-US" sz="4400" dirty="0">
+                  <a:solidFill>
+                    <a:srgbClr val="FF0000"/>
+                  </a:solidFill>
+                  <a:latin typeface="Franklin Gothic Book"/>
+                  <a:cs typeface="Franklin Gothic Book"/>
+                </a:rPr>
+                <a:t>Summarize take-away</a:t>
+              </a:r>
             </a:p>
           </p:txBody>
         </p:sp>

--- a/docs/CSE222A_Poster_new.pptx
+++ b/docs/CSE222A_Poster_new.pptx
@@ -107,6 +107,22 @@
       </a:defRPr>
     </a:lvl9pPr>
   </p:defaultTextStyle>
+  <p:extLst>
+    <p:ext uri="{EFAFB233-063F-42B5-8137-9DF3F51BA10A}">
+      <p15:sldGuideLst xmlns:p15="http://schemas.microsoft.com/office/powerpoint/2012/main" xmlns="">
+        <p15:guide id="1" orient="horz" pos="10368">
+          <p15:clr>
+            <a:srgbClr val="A4A3A4"/>
+          </p15:clr>
+        </p15:guide>
+        <p15:guide id="2" pos="13824">
+          <p15:clr>
+            <a:srgbClr val="A4A3A4"/>
+          </p15:clr>
+        </p15:guide>
+      </p15:sldGuideLst>
+    </p:ext>
+  </p:extLst>
 </p:presentation>
 </file>
 
@@ -193,7 +209,7 @@
             <a:fld id="{D508C3B9-C8C7-FF4B-A89F-C8ECF40039BD}" type="datetimeFigureOut">
               <a:rPr lang="en-US" smtClean="0"/>
               <a:pPr/>
-              <a:t>05/12/15</a:t>
+              <a:t>06/12/15</a:t>
             </a:fld>
             <a:endParaRPr lang="en-US" dirty="0"/>
           </a:p>
@@ -539,6 +555,11 @@
         </p:txBody>
       </p:sp>
     </p:spTree>
+    <p:extLst>
+      <p:ext uri="{BB962C8B-B14F-4D97-AF65-F5344CB8AC3E}">
+        <p14:creationId xmlns:p14="http://schemas.microsoft.com/office/powerpoint/2010/main" val="846930886"/>
+      </p:ext>
+    </p:extLst>
   </p:cSld>
   <p:clrMapOvr>
     <a:masterClrMapping/>
@@ -728,7 +749,7 @@
             <a:fld id="{57B7EB2E-A371-994C-A83F-1C5C49F53A45}" type="datetimeFigureOut">
               <a:rPr lang="en-US" smtClean="0"/>
               <a:pPr/>
-              <a:t>05/12/15</a:t>
+              <a:t>06/12/15</a:t>
             </a:fld>
             <a:endParaRPr lang="en-US" dirty="0"/>
           </a:p>
@@ -895,7 +916,7 @@
             <a:fld id="{57B7EB2E-A371-994C-A83F-1C5C49F53A45}" type="datetimeFigureOut">
               <a:rPr lang="en-US" smtClean="0"/>
               <a:pPr/>
-              <a:t>05/12/15</a:t>
+              <a:t>06/12/15</a:t>
             </a:fld>
             <a:endParaRPr lang="en-US" dirty="0"/>
           </a:p>
@@ -1072,7 +1093,7 @@
             <a:fld id="{57B7EB2E-A371-994C-A83F-1C5C49F53A45}" type="datetimeFigureOut">
               <a:rPr lang="en-US" smtClean="0"/>
               <a:pPr/>
-              <a:t>05/12/15</a:t>
+              <a:t>06/12/15</a:t>
             </a:fld>
             <a:endParaRPr lang="en-US" dirty="0"/>
           </a:p>
@@ -1239,7 +1260,7 @@
             <a:fld id="{57B7EB2E-A371-994C-A83F-1C5C49F53A45}" type="datetimeFigureOut">
               <a:rPr lang="en-US" smtClean="0"/>
               <a:pPr/>
-              <a:t>05/12/15</a:t>
+              <a:t>06/12/15</a:t>
             </a:fld>
             <a:endParaRPr lang="en-US" dirty="0"/>
           </a:p>
@@ -1482,7 +1503,7 @@
             <a:fld id="{57B7EB2E-A371-994C-A83F-1C5C49F53A45}" type="datetimeFigureOut">
               <a:rPr lang="en-US" smtClean="0"/>
               <a:pPr/>
-              <a:t>05/12/15</a:t>
+              <a:t>06/12/15</a:t>
             </a:fld>
             <a:endParaRPr lang="en-US" dirty="0"/>
           </a:p>
@@ -1767,7 +1788,7 @@
             <a:fld id="{57B7EB2E-A371-994C-A83F-1C5C49F53A45}" type="datetimeFigureOut">
               <a:rPr lang="en-US" smtClean="0"/>
               <a:pPr/>
-              <a:t>05/12/15</a:t>
+              <a:t>06/12/15</a:t>
             </a:fld>
             <a:endParaRPr lang="en-US" dirty="0"/>
           </a:p>
@@ -2191,7 +2212,7 @@
             <a:fld id="{57B7EB2E-A371-994C-A83F-1C5C49F53A45}" type="datetimeFigureOut">
               <a:rPr lang="en-US" smtClean="0"/>
               <a:pPr/>
-              <a:t>05/12/15</a:t>
+              <a:t>06/12/15</a:t>
             </a:fld>
             <a:endParaRPr lang="en-US" dirty="0"/>
           </a:p>
@@ -2306,7 +2327,7 @@
             <a:fld id="{57B7EB2E-A371-994C-A83F-1C5C49F53A45}" type="datetimeFigureOut">
               <a:rPr lang="en-US" smtClean="0"/>
               <a:pPr/>
-              <a:t>05/12/15</a:t>
+              <a:t>06/12/15</a:t>
             </a:fld>
             <a:endParaRPr lang="en-US" dirty="0"/>
           </a:p>
@@ -2398,7 +2419,7 @@
             <a:fld id="{57B7EB2E-A371-994C-A83F-1C5C49F53A45}" type="datetimeFigureOut">
               <a:rPr lang="en-US" smtClean="0"/>
               <a:pPr/>
-              <a:t>05/12/15</a:t>
+              <a:t>06/12/15</a:t>
             </a:fld>
             <a:endParaRPr lang="en-US" dirty="0"/>
           </a:p>
@@ -2672,7 +2693,7 @@
             <a:fld id="{57B7EB2E-A371-994C-A83F-1C5C49F53A45}" type="datetimeFigureOut">
               <a:rPr lang="en-US" smtClean="0"/>
               <a:pPr/>
-              <a:t>05/12/15</a:t>
+              <a:t>06/12/15</a:t>
             </a:fld>
             <a:endParaRPr lang="en-US" dirty="0"/>
           </a:p>
@@ -2922,7 +2943,7 @@
             <a:fld id="{57B7EB2E-A371-994C-A83F-1C5C49F53A45}" type="datetimeFigureOut">
               <a:rPr lang="en-US" smtClean="0"/>
               <a:pPr/>
-              <a:t>05/12/15</a:t>
+              <a:t>06/12/15</a:t>
             </a:fld>
             <a:endParaRPr lang="en-US" dirty="0"/>
           </a:p>
@@ -3132,7 +3153,7 @@
             <a:fld id="{57B7EB2E-A371-994C-A83F-1C5C49F53A45}" type="datetimeFigureOut">
               <a:rPr lang="en-US" smtClean="0"/>
               <a:pPr/>
-              <a:t>05/12/15</a:t>
+              <a:t>06/12/15</a:t>
             </a:fld>
             <a:endParaRPr lang="en-US" dirty="0"/>
           </a:p>
@@ -3511,8 +3532,8 @@
         </p:nvSpPr>
         <p:spPr>
           <a:xfrm>
-            <a:off x="6059361" y="363303"/>
-            <a:ext cx="31772479" cy="4524315"/>
+            <a:off x="2430379" y="387366"/>
+            <a:ext cx="42038337" cy="2308324"/>
           </a:xfrm>
           <a:prstGeom prst="rect">
             <a:avLst/>
@@ -3558,7 +3579,7 @@
         </p:nvSpPr>
         <p:spPr>
           <a:xfrm>
-            <a:off x="2915098" y="4689553"/>
+            <a:off x="2915098" y="2186985"/>
             <a:ext cx="37623302" cy="1015663"/>
           </a:xfrm>
           <a:prstGeom prst="rect">
@@ -3693,7 +3714,7 @@
         </p:nvSpPr>
         <p:spPr>
           <a:xfrm>
-            <a:off x="15381436" y="5761805"/>
+            <a:off x="15213146" y="13376947"/>
             <a:ext cx="13128324" cy="914400"/>
           </a:xfrm>
           <a:prstGeom prst="rect">
@@ -3744,10 +3765,10 @@
         </p:nvGrpSpPr>
         <p:grpSpPr>
           <a:xfrm>
-            <a:off x="783190" y="5812233"/>
-            <a:ext cx="13128326" cy="7343146"/>
+            <a:off x="783190" y="3955296"/>
+            <a:ext cx="13128326" cy="7793206"/>
             <a:chOff x="1151866" y="26163754"/>
-            <a:chExt cx="13128326" cy="7343146"/>
+            <a:chExt cx="13128326" cy="7793206"/>
           </a:xfrm>
         </p:grpSpPr>
         <p:sp>
@@ -3787,7 +3808,7 @@
             </a:bodyPr>
             <a:lstStyle/>
             <a:p>
-              <a:pPr algn="ctr"/>
+              <a:pPr algn="just"/>
               <a:r>
                 <a:rPr lang="en-US" sz="5600" dirty="0" err="1">
                   <a:solidFill>
@@ -3820,7 +3841,7 @@
           <p:spPr>
             <a:xfrm>
               <a:off x="1151866" y="27078154"/>
-              <a:ext cx="13128326" cy="6428746"/>
+              <a:ext cx="13128326" cy="6878806"/>
             </a:xfrm>
             <a:prstGeom prst="rect">
               <a:avLst/>
@@ -3849,7 +3870,7 @@
             </a:bodyPr>
             <a:lstStyle/>
             <a:p>
-              <a:pPr marL="571500" indent="-571500">
+              <a:pPr marL="571500" indent="-571500" algn="just">
                 <a:spcAft>
                   <a:spcPts val="1800"/>
                 </a:spcAft>
@@ -3872,7 +3893,7 @@
               </a:r>
             </a:p>
             <a:p>
-              <a:pPr marL="571500" indent="-571500">
+              <a:pPr marL="571500" indent="-571500" algn="just">
                 <a:spcAft>
                   <a:spcPts val="1800"/>
                 </a:spcAft>
@@ -3893,9 +3914,34 @@
                 </a:rPr>
                 <a:t>: A collection of flows that have a common goal. </a:t>
               </a:r>
+              <a:r>
+                <a:rPr lang="en-US" sz="4400" dirty="0" smtClean="0">
+                  <a:latin typeface="Franklin Gothic Book"/>
+                  <a:cs typeface="Franklin Gothic Book"/>
+                </a:rPr>
+                <a:t>The application cannot proceed until all flows in the </a:t>
+              </a:r>
+              <a:r>
+                <a:rPr lang="en-US" sz="4400" dirty="0" err="1" smtClean="0">
+                  <a:latin typeface="Franklin Gothic Book"/>
+                  <a:cs typeface="Franklin Gothic Book"/>
+                </a:rPr>
+                <a:t>coflow</a:t>
+              </a:r>
+              <a:r>
+                <a:rPr lang="en-US" sz="4400" dirty="0" smtClean="0">
+                  <a:latin typeface="Franklin Gothic Book"/>
+                  <a:cs typeface="Franklin Gothic Book"/>
+                </a:rPr>
+                <a:t> have been received.</a:t>
+              </a:r>
+              <a:endParaRPr lang="en-US" sz="4400" dirty="0">
+                <a:latin typeface="Franklin Gothic Book"/>
+                <a:cs typeface="Franklin Gothic Book"/>
+              </a:endParaRPr>
             </a:p>
             <a:p>
-              <a:pPr marL="571500" indent="-571500">
+              <a:pPr marL="571500" indent="-571500" algn="just">
                 <a:spcAft>
                   <a:spcPts val="1800"/>
                 </a:spcAft>
@@ -3918,7 +3964,7 @@
               </a:r>
             </a:p>
             <a:p>
-              <a:pPr marL="571500" indent="-571500">
+              <a:pPr marL="571500" indent="-571500" algn="just">
                 <a:spcAft>
                   <a:spcPts val="1800"/>
                 </a:spcAft>
@@ -3926,14 +3972,14 @@
                 <a:buChar char="•"/>
               </a:pPr>
               <a:r>
-                <a:rPr lang="en-US" sz="4400" dirty="0" err="1">
+                <a:rPr lang="en-US" sz="4400" b="1" dirty="0" err="1">
                   <a:latin typeface="Franklin Gothic Book"/>
                   <a:cs typeface="Franklin Gothic Book"/>
                 </a:rPr>
                 <a:t>Coflow</a:t>
               </a:r>
               <a:r>
-                <a:rPr lang="en-US" sz="4400" dirty="0">
+                <a:rPr lang="en-US" sz="4400" b="1" dirty="0">
                   <a:latin typeface="Franklin Gothic Book"/>
                   <a:cs typeface="Franklin Gothic Book"/>
                 </a:rPr>
@@ -3951,7 +3997,7 @@
         </p:nvSpPr>
         <p:spPr>
           <a:xfrm>
-            <a:off x="29811065" y="25829516"/>
+            <a:off x="29811065" y="26210444"/>
             <a:ext cx="13128325" cy="769441"/>
           </a:xfrm>
           <a:prstGeom prst="rect">
@@ -3982,413 +4028,16 @@
       </p:sp>
       <p:grpSp>
         <p:nvGrpSpPr>
-          <p:cNvPr id="48" name="Group 3"/>
-          <p:cNvGrpSpPr/>
-          <p:nvPr/>
-        </p:nvGrpSpPr>
-        <p:grpSpPr>
-          <a:xfrm>
-            <a:off x="935590" y="14055707"/>
-            <a:ext cx="13128326" cy="13471682"/>
-            <a:chOff x="1151866" y="26163754"/>
-            <a:chExt cx="13128326" cy="13471682"/>
-          </a:xfrm>
-        </p:grpSpPr>
-        <p:sp>
-          <p:nvSpPr>
-            <p:cNvPr id="51" name="TextBox 50"/>
-            <p:cNvSpPr txBox="1"/>
-            <p:nvPr/>
-          </p:nvSpPr>
-          <p:spPr>
-            <a:xfrm>
-              <a:off x="1151867" y="26163754"/>
-              <a:ext cx="13128325" cy="914400"/>
-            </a:xfrm>
-            <a:prstGeom prst="rect">
-              <a:avLst/>
-            </a:prstGeom>
-            <a:ln>
-              <a:noFill/>
-            </a:ln>
-          </p:spPr>
-          <p:style>
-            <a:lnRef idx="2">
-              <a:schemeClr val="accent1">
-                <a:shade val="50000"/>
-              </a:schemeClr>
-            </a:lnRef>
-            <a:fillRef idx="1">
-              <a:schemeClr val="accent1"/>
-            </a:fillRef>
-            <a:effectRef idx="0">
-              <a:schemeClr val="accent1"/>
-            </a:effectRef>
-            <a:fontRef idx="minor">
-              <a:schemeClr val="lt1"/>
-            </a:fontRef>
-          </p:style>
-          <p:txBody>
-            <a:bodyPr wrap="none" lIns="127000" tIns="127000" rIns="127000" bIns="127000" rtlCol="0">
-              <a:normAutofit fontScale="92500" lnSpcReduction="20000"/>
-            </a:bodyPr>
-            <a:lstStyle/>
-            <a:p>
-              <a:pPr algn="ctr"/>
-              <a:r>
-                <a:rPr lang="en-US" sz="5600" dirty="0" err="1">
-                  <a:solidFill>
-                    <a:schemeClr val="bg1"/>
-                  </a:solidFill>
-                  <a:latin typeface="Franklin Gothic Medium"/>
-                  <a:cs typeface="Franklin Gothic Medium"/>
-                </a:rPr>
-                <a:t>Coflow</a:t>
-              </a:r>
-              <a:r>
-                <a:rPr lang="en-US" sz="5600" dirty="0">
-                  <a:solidFill>
-                    <a:schemeClr val="bg1"/>
-                  </a:solidFill>
-                  <a:latin typeface="Franklin Gothic Medium"/>
-                  <a:cs typeface="Franklin Gothic Medium"/>
-                </a:rPr>
-                <a:t> Schedulers [1], [2]</a:t>
-              </a:r>
-            </a:p>
-          </p:txBody>
-        </p:sp>
-        <p:sp>
-          <p:nvSpPr>
-            <p:cNvPr id="52" name="TextBox 51"/>
-            <p:cNvSpPr txBox="1"/>
-            <p:nvPr/>
-          </p:nvSpPr>
-          <p:spPr>
-            <a:xfrm>
-              <a:off x="1151866" y="27078154"/>
-              <a:ext cx="13128326" cy="12557282"/>
-            </a:xfrm>
-            <a:prstGeom prst="rect">
-              <a:avLst/>
-            </a:prstGeom>
-            <a:ln>
-              <a:noFill/>
-            </a:ln>
-          </p:spPr>
-          <p:style>
-            <a:lnRef idx="2">
-              <a:schemeClr val="accent1"/>
-            </a:lnRef>
-            <a:fillRef idx="1">
-              <a:schemeClr val="lt1"/>
-            </a:fillRef>
-            <a:effectRef idx="0">
-              <a:schemeClr val="accent1"/>
-            </a:effectRef>
-            <a:fontRef idx="minor">
-              <a:schemeClr val="dk1"/>
-            </a:fontRef>
-          </p:style>
-          <p:txBody>
-            <a:bodyPr wrap="square" rtlCol="0">
-              <a:spAutoFit/>
-            </a:bodyPr>
-            <a:lstStyle/>
-            <a:p>
-              <a:pPr marL="571500" indent="-571500">
-                <a:spcAft>
-                  <a:spcPts val="1800"/>
-                </a:spcAft>
-                <a:buFont typeface="Arial"/>
-                <a:buChar char="•"/>
-              </a:pPr>
-              <a:r>
-                <a:rPr lang="en-US" sz="4400" dirty="0">
-                  <a:latin typeface="Franklin Gothic Book"/>
-                  <a:cs typeface="Franklin Gothic Book"/>
-                </a:rPr>
-                <a:t>Inter-</a:t>
-              </a:r>
-              <a:r>
-                <a:rPr lang="en-US" sz="4400" dirty="0" err="1">
-                  <a:latin typeface="Franklin Gothic Book"/>
-                  <a:cs typeface="Franklin Gothic Book"/>
-                </a:rPr>
-                <a:t>coflow</a:t>
-              </a:r>
-              <a:r>
-                <a:rPr lang="en-US" sz="4400" dirty="0">
-                  <a:latin typeface="Franklin Gothic Book"/>
-                  <a:cs typeface="Franklin Gothic Book"/>
-                </a:rPr>
-                <a:t> scheduling is NP-hard</a:t>
-              </a:r>
-            </a:p>
-            <a:p>
-              <a:pPr marL="571500" indent="-571500">
-                <a:spcAft>
-                  <a:spcPts val="1800"/>
-                </a:spcAft>
-                <a:buFont typeface="Arial"/>
-                <a:buChar char="•"/>
-              </a:pPr>
-              <a:r>
-                <a:rPr lang="en-US" sz="4400" dirty="0">
-                  <a:latin typeface="Franklin Gothic Book"/>
-                  <a:cs typeface="Franklin Gothic Book"/>
-                </a:rPr>
-                <a:t>Recent research results use </a:t>
-              </a:r>
-              <a:r>
-                <a:rPr lang="en-US" sz="4400" dirty="0" err="1" smtClean="0">
-                  <a:latin typeface="Franklin Gothic Book"/>
-                  <a:cs typeface="Franklin Gothic Book"/>
-                </a:rPr>
-                <a:t>heuristicsH</a:t>
-              </a:r>
-              <a:endParaRPr lang="en-US" sz="4400" dirty="0">
-                <a:latin typeface="Franklin Gothic Book"/>
-                <a:cs typeface="Franklin Gothic Book"/>
-              </a:endParaRPr>
-            </a:p>
-            <a:p>
-              <a:pPr marL="571500" indent="-571500">
-                <a:spcAft>
-                  <a:spcPts val="1800"/>
-                </a:spcAft>
-                <a:buFont typeface="Arial"/>
-                <a:buChar char="•"/>
-              </a:pPr>
-              <a:r>
-                <a:rPr lang="en-US" sz="4400" dirty="0" err="1">
-                  <a:latin typeface="Franklin Gothic Book"/>
-                  <a:cs typeface="Franklin Gothic Book"/>
-                </a:rPr>
-                <a:t>Varys</a:t>
-              </a:r>
-              <a:r>
-                <a:rPr lang="en-US" sz="4400" dirty="0">
-                  <a:latin typeface="Franklin Gothic Book"/>
-                  <a:cs typeface="Franklin Gothic Book"/>
-                </a:rPr>
-                <a:t> (2014): </a:t>
-              </a:r>
-            </a:p>
-            <a:p>
-              <a:pPr marL="1399032" lvl="1" indent="-571500">
-                <a:spcAft>
-                  <a:spcPts val="1800"/>
-                </a:spcAft>
-                <a:buFont typeface="Arial"/>
-                <a:buChar char="•"/>
-              </a:pPr>
-              <a:r>
-                <a:rPr lang="en-US" sz="4400" dirty="0">
-                  <a:latin typeface="Franklin Gothic Book"/>
-                  <a:cs typeface="Franklin Gothic Book"/>
-                </a:rPr>
-                <a:t>Shortest effective bottleneck first</a:t>
-              </a:r>
-            </a:p>
-            <a:p>
-              <a:pPr marL="1399032" lvl="1" indent="-571500">
-                <a:spcAft>
-                  <a:spcPts val="1800"/>
-                </a:spcAft>
-                <a:buFont typeface="Arial"/>
-                <a:buChar char="•"/>
-              </a:pPr>
-              <a:r>
-                <a:rPr lang="en-US" sz="4400" dirty="0">
-                  <a:latin typeface="Franklin Gothic Book"/>
-                  <a:cs typeface="Franklin Gothic Book"/>
-                </a:rPr>
-                <a:t>Key idea: exploit differences between flow lengths in a </a:t>
-              </a:r>
-              <a:r>
-                <a:rPr lang="en-US" sz="4400" dirty="0" err="1">
-                  <a:latin typeface="Franklin Gothic Book"/>
-                  <a:cs typeface="Franklin Gothic Book"/>
-                </a:rPr>
-                <a:t>coflow</a:t>
-              </a:r>
-              <a:r>
-                <a:rPr lang="en-US" sz="4400" dirty="0">
-                  <a:latin typeface="Franklin Gothic Book"/>
-                  <a:cs typeface="Franklin Gothic Book"/>
-                </a:rPr>
-                <a:t> – do not allocate more bandwidth to a flow than necessary for flow to meet minimum possible CCT</a:t>
-              </a:r>
-            </a:p>
-            <a:p>
-              <a:pPr marL="1399032" lvl="1" indent="-571500">
-                <a:spcAft>
-                  <a:spcPts val="1800"/>
-                </a:spcAft>
-                <a:buFont typeface="Arial"/>
-                <a:buChar char="•"/>
-              </a:pPr>
-              <a:r>
-                <a:rPr lang="en-US" sz="4400" dirty="0">
-                  <a:latin typeface="Franklin Gothic Book"/>
-                  <a:cs typeface="Franklin Gothic Book"/>
-                </a:rPr>
-                <a:t>Ave. 3.16x faster </a:t>
-              </a:r>
-              <a:r>
-                <a:rPr lang="en-US" sz="4400" dirty="0" err="1">
-                  <a:latin typeface="Franklin Gothic Book"/>
-                  <a:cs typeface="Franklin Gothic Book"/>
-                </a:rPr>
-                <a:t>coflow</a:t>
-              </a:r>
-              <a:r>
-                <a:rPr lang="en-US" sz="4400" dirty="0">
-                  <a:latin typeface="Franklin Gothic Book"/>
-                  <a:cs typeface="Franklin Gothic Book"/>
-                </a:rPr>
-                <a:t> completions </a:t>
-              </a:r>
-            </a:p>
-            <a:p>
-              <a:pPr marL="571500" indent="-571500">
-                <a:spcAft>
-                  <a:spcPts val="1800"/>
-                </a:spcAft>
-                <a:buFont typeface="Arial"/>
-                <a:buChar char="•"/>
-              </a:pPr>
-              <a:r>
-                <a:rPr lang="en-US" sz="4400" dirty="0" err="1">
-                  <a:latin typeface="Franklin Gothic Book"/>
-                  <a:cs typeface="Franklin Gothic Book"/>
-                </a:rPr>
-                <a:t>Aalo</a:t>
-              </a:r>
-              <a:r>
-                <a:rPr lang="en-US" sz="4400" dirty="0">
-                  <a:latin typeface="Franklin Gothic Book"/>
-                  <a:cs typeface="Franklin Gothic Book"/>
-                </a:rPr>
-                <a:t> (2015): </a:t>
-              </a:r>
-            </a:p>
-            <a:p>
-              <a:pPr marL="1399032" lvl="1" indent="-571500">
-                <a:spcAft>
-                  <a:spcPts val="1800"/>
-                </a:spcAft>
-                <a:buFont typeface="Arial"/>
-                <a:buChar char="•"/>
-              </a:pPr>
-              <a:r>
-                <a:rPr lang="en-US" sz="4400" dirty="0">
-                  <a:latin typeface="Franklin Gothic Book"/>
-                  <a:cs typeface="Franklin Gothic Book"/>
-                </a:rPr>
-                <a:t>No prior knowledge of </a:t>
-              </a:r>
-              <a:r>
-                <a:rPr lang="en-US" sz="4400" dirty="0" err="1">
-                  <a:latin typeface="Franklin Gothic Book"/>
-                  <a:cs typeface="Franklin Gothic Book"/>
-                </a:rPr>
-                <a:t>coflow</a:t>
-              </a:r>
-              <a:r>
-                <a:rPr lang="en-US" sz="4400" dirty="0">
-                  <a:latin typeface="Franklin Gothic Book"/>
-                  <a:cs typeface="Franklin Gothic Book"/>
-                </a:rPr>
-                <a:t> characteristics</a:t>
-              </a:r>
-            </a:p>
-            <a:p>
-              <a:pPr marL="1399032" lvl="1" indent="-571500">
-                <a:spcAft>
-                  <a:spcPts val="1800"/>
-                </a:spcAft>
-                <a:buFont typeface="Arial"/>
-                <a:buChar char="•"/>
-              </a:pPr>
-              <a:r>
-                <a:rPr lang="en-US" sz="4400" dirty="0">
-                  <a:latin typeface="Franklin Gothic Book"/>
-                  <a:cs typeface="Franklin Gothic Book"/>
-                </a:rPr>
-                <a:t>Key idea: generalize least attained service to </a:t>
-              </a:r>
-              <a:r>
-                <a:rPr lang="en-US" sz="4400" dirty="0" err="1">
-                  <a:latin typeface="Franklin Gothic Book"/>
-                  <a:cs typeface="Franklin Gothic Book"/>
-                </a:rPr>
-                <a:t>coflows</a:t>
-              </a:r>
-              <a:endParaRPr lang="en-US" sz="4400" dirty="0">
-                <a:latin typeface="Franklin Gothic Book"/>
-                <a:cs typeface="Franklin Gothic Book"/>
-              </a:endParaRPr>
-            </a:p>
-            <a:p>
-              <a:pPr marL="1399032" lvl="1" indent="-571500">
-                <a:spcAft>
-                  <a:spcPts val="1800"/>
-                </a:spcAft>
-                <a:buFont typeface="Arial"/>
-                <a:buChar char="•"/>
-              </a:pPr>
-              <a:r>
-                <a:rPr lang="en-US" sz="4400" dirty="0">
-                  <a:latin typeface="Franklin Gothic Book"/>
-                  <a:cs typeface="Franklin Gothic Book"/>
-                </a:rPr>
-                <a:t>Ave. 1.93x faster </a:t>
-              </a:r>
-              <a:r>
-                <a:rPr lang="en-US" sz="4400" dirty="0" err="1">
-                  <a:latin typeface="Franklin Gothic Book"/>
-                  <a:cs typeface="Franklin Gothic Book"/>
-                </a:rPr>
-                <a:t>coflow</a:t>
-              </a:r>
-              <a:r>
-                <a:rPr lang="en-US" sz="4400" dirty="0">
-                  <a:latin typeface="Franklin Gothic Book"/>
-                  <a:cs typeface="Franklin Gothic Book"/>
-                </a:rPr>
-                <a:t> completions</a:t>
-              </a:r>
-            </a:p>
-            <a:p>
-              <a:pPr marL="571500" indent="-571500">
-                <a:spcAft>
-                  <a:spcPts val="1800"/>
-                </a:spcAft>
-                <a:buFont typeface="Arial"/>
-                <a:buChar char="•"/>
-              </a:pPr>
-              <a:endParaRPr lang="en-US" sz="4400" dirty="0">
-                <a:latin typeface="Franklin Gothic Book"/>
-                <a:cs typeface="Franklin Gothic Book"/>
-              </a:endParaRPr>
-            </a:p>
-          </p:txBody>
-        </p:sp>
-      </p:grpSp>
-      <p:grpSp>
-        <p:nvGrpSpPr>
           <p:cNvPr id="60" name="Group 3"/>
           <p:cNvGrpSpPr/>
           <p:nvPr/>
         </p:nvGrpSpPr>
         <p:grpSpPr>
           <a:xfrm>
-            <a:off x="29811065" y="5705216"/>
-            <a:ext cx="13128326" cy="8916590"/>
+            <a:off x="15079841" y="3899698"/>
+            <a:ext cx="13128326" cy="8685757"/>
             <a:chOff x="1151866" y="26163754"/>
-            <a:chExt cx="13128326" cy="8916590"/>
+            <a:chExt cx="13128326" cy="8685757"/>
           </a:xfrm>
         </p:grpSpPr>
         <p:sp>
@@ -4433,7 +4082,7 @@
             </a:bodyPr>
             <a:lstStyle/>
             <a:p>
-              <a:pPr algn="ctr"/>
+              <a:pPr algn="just"/>
               <a:r>
                 <a:rPr lang="en-US" sz="5600" dirty="0">
                   <a:solidFill>
@@ -4456,7 +4105,7 @@
           <p:spPr>
             <a:xfrm>
               <a:off x="1151866" y="27078154"/>
-              <a:ext cx="13128326" cy="8002190"/>
+              <a:ext cx="13128326" cy="7771357"/>
             </a:xfrm>
             <a:prstGeom prst="rect">
               <a:avLst/>
@@ -4487,7 +4136,7 @@
             </a:bodyPr>
             <a:lstStyle/>
             <a:p>
-              <a:pPr marL="571500" indent="-571500">
+              <a:pPr marL="571500" indent="-571500" algn="just">
                 <a:spcAft>
                   <a:spcPts val="1800"/>
                 </a:spcAft>
@@ -4495,11 +4144,18 @@
                 <a:buChar char="•"/>
               </a:pPr>
               <a:r>
+                <a:rPr lang="en-US" sz="4400" b="1" dirty="0">
+                  <a:latin typeface="Franklin Gothic Book"/>
+                  <a:cs typeface="Franklin Gothic Book"/>
+                </a:rPr>
+                <a:t>Motivation: </a:t>
+              </a:r>
+              <a:r>
                 <a:rPr lang="en-US" sz="4400" dirty="0">
                   <a:latin typeface="Franklin Gothic Book"/>
                   <a:cs typeface="Franklin Gothic Book"/>
                 </a:rPr>
-                <a:t>Motivation: Current </a:t>
+                <a:t>Current </a:t>
               </a:r>
               <a:r>
                 <a:rPr lang="en-US" sz="4400" dirty="0" err="1">
@@ -4527,7 +4183,14 @@
                   <a:latin typeface="Franklin Gothic Book"/>
                   <a:cs typeface="Franklin Gothic Book"/>
                 </a:rPr>
-                <a:t> to the scheduler via an API. Future use of </a:t>
+                <a:t> to the scheduler via an API. A</a:t>
+              </a:r>
+              <a:r>
+                <a:rPr lang="en-US" sz="4400" dirty="0" smtClean="0">
+                  <a:latin typeface="Franklin Gothic Book"/>
+                  <a:cs typeface="Franklin Gothic Book"/>
+                </a:rPr>
+                <a:t>utomatic </a:t>
               </a:r>
               <a:r>
                 <a:rPr lang="en-US" sz="4400" dirty="0" err="1">
@@ -4541,7 +4204,56 @@
                   <a:latin typeface="Franklin Gothic Book"/>
                   <a:cs typeface="Franklin Gothic Book"/>
                 </a:rPr>
-                <a:t> schedulers would be supported by automatic </a:t>
+                <a:t> </a:t>
+              </a:r>
+              <a:r>
+                <a:rPr lang="en-US" sz="4400" dirty="0" smtClean="0">
+                  <a:latin typeface="Franklin Gothic Book"/>
+                  <a:cs typeface="Franklin Gothic Book"/>
+                </a:rPr>
+                <a:t>identification </a:t>
+              </a:r>
+              <a:r>
+                <a:rPr lang="en-US" sz="4400" dirty="0" smtClean="0">
+                  <a:latin typeface="Franklin Gothic Book"/>
+                  <a:cs typeface="Franklin Gothic Book"/>
+                </a:rPr>
+                <a:t>would ease </a:t>
+              </a:r>
+              <a:r>
+                <a:rPr lang="en-US" sz="4400" dirty="0">
+                  <a:latin typeface="Franklin Gothic Book"/>
+                  <a:cs typeface="Franklin Gothic Book"/>
+                </a:rPr>
+                <a:t>programmer </a:t>
+              </a:r>
+              <a:r>
+                <a:rPr lang="en-US" sz="4400" dirty="0" smtClean="0">
+                  <a:latin typeface="Franklin Gothic Book"/>
+                  <a:cs typeface="Franklin Gothic Book"/>
+                </a:rPr>
+                <a:t>burden.</a:t>
+              </a:r>
+              <a:r>
+                <a:rPr lang="en-US" sz="4400" dirty="0">
+                  <a:latin typeface="Franklin Gothic Book"/>
+                  <a:cs typeface="Franklin Gothic Book"/>
+                </a:rPr>
+                <a:t> </a:t>
+              </a:r>
+              <a:r>
+                <a:rPr lang="en-US" sz="4400" dirty="0" smtClean="0">
+                  <a:latin typeface="Franklin Gothic Book"/>
+                  <a:cs typeface="Franklin Gothic Book"/>
+                </a:rPr>
+                <a:t>These </a:t>
+              </a:r>
+              <a:r>
+                <a:rPr lang="en-US" sz="4400" dirty="0">
+                  <a:latin typeface="Franklin Gothic Book"/>
+                  <a:cs typeface="Franklin Gothic Book"/>
+                </a:rPr>
+                <a:t>will be less than 100% accurate, so it is useful to evaluate the performance of state-of-the-art </a:t>
               </a:r>
               <a:r>
                 <a:rPr lang="en-US" sz="4400" dirty="0" err="1">
@@ -4555,25 +4267,35 @@
                   <a:latin typeface="Franklin Gothic Book"/>
                   <a:cs typeface="Franklin Gothic Book"/>
                 </a:rPr>
-                <a:t> </a:t>
+                <a:t> schedulers as a function of knowledge of flows in a </a:t>
               </a:r>
               <a:r>
                 <a:rPr lang="en-US" sz="4400" dirty="0" err="1">
                   <a:latin typeface="Franklin Gothic Book"/>
                   <a:cs typeface="Franklin Gothic Book"/>
                 </a:rPr>
-                <a:t>identication</a:t>
+                <a:t>coflow</a:t>
               </a:r>
               <a:r>
                 <a:rPr lang="en-US" sz="4400" dirty="0">
                   <a:latin typeface="Franklin Gothic Book"/>
                   <a:cs typeface="Franklin Gothic Book"/>
                 </a:rPr>
-                <a:t>, easing programmer burden</a:t>
+                <a:t>.</a:t>
+              </a:r>
+              <a:r>
+                <a:rPr lang="en-US" sz="4400" dirty="0">
+                  <a:solidFill>
+                    <a:srgbClr val="FF0000"/>
+                  </a:solidFill>
+                  <a:latin typeface="Franklin Gothic Book"/>
+                  <a:cs typeface="Franklin Gothic Book"/>
+                </a:rPr>
+                <a:t> </a:t>
               </a:r>
             </a:p>
             <a:p>
-              <a:pPr marL="571500" indent="-571500">
+              <a:pPr marL="571500" indent="-571500" algn="just">
                 <a:spcAft>
                   <a:spcPts val="1800"/>
                 </a:spcAft>
@@ -4581,83 +4303,52 @@
                 <a:buChar char="•"/>
               </a:pPr>
               <a:r>
-                <a:rPr lang="en-US" sz="4400" dirty="0">
-                  <a:latin typeface="Franklin Gothic Book"/>
-                  <a:cs typeface="Franklin Gothic Book"/>
-                </a:rPr>
-                <a:t>Automatic </a:t>
-              </a:r>
-              <a:r>
-                <a:rPr lang="en-US" sz="4400" dirty="0" err="1">
-                  <a:latin typeface="Franklin Gothic Book"/>
-                  <a:cs typeface="Franklin Gothic Book"/>
-                </a:rPr>
-                <a:t>coflow</a:t>
-              </a:r>
-              <a:r>
-                <a:rPr lang="en-US" sz="4400" dirty="0">
-                  <a:latin typeface="Franklin Gothic Book"/>
-                  <a:cs typeface="Franklin Gothic Book"/>
-                </a:rPr>
-                <a:t> identification techniques will be less than 100% accurate, so it is useful to evaluate the performance of state-of-the-art </a:t>
-              </a:r>
-              <a:r>
-                <a:rPr lang="en-US" sz="4400" dirty="0" err="1">
-                  <a:latin typeface="Franklin Gothic Book"/>
-                  <a:cs typeface="Franklin Gothic Book"/>
-                </a:rPr>
-                <a:t>coflow</a:t>
-              </a:r>
-              <a:r>
-                <a:rPr lang="en-US" sz="4400" dirty="0">
-                  <a:latin typeface="Franklin Gothic Book"/>
-                  <a:cs typeface="Franklin Gothic Book"/>
-                </a:rPr>
-                <a:t> schedulers as a function of knowledge of flows in a </a:t>
-              </a:r>
-              <a:r>
-                <a:rPr lang="en-US" sz="4400" dirty="0" err="1">
-                  <a:latin typeface="Franklin Gothic Book"/>
-                  <a:cs typeface="Franklin Gothic Book"/>
-                </a:rPr>
-                <a:t>coflow</a:t>
-              </a:r>
-              <a:r>
-                <a:rPr lang="en-US" sz="4400" dirty="0">
-                  <a:latin typeface="Franklin Gothic Book"/>
-                  <a:cs typeface="Franklin Gothic Book"/>
-                </a:rPr>
-                <a:t>.</a:t>
-              </a:r>
-              <a:r>
-                <a:rPr lang="en-US" sz="4400" dirty="0">
+                <a:rPr lang="en-US" sz="4400" dirty="0" smtClean="0">
                   <a:solidFill>
-                    <a:srgbClr val="FF0000"/>
+                    <a:schemeClr val="tx1"/>
                   </a:solidFill>
                   <a:latin typeface="Franklin Gothic Book"/>
                   <a:cs typeface="Franklin Gothic Book"/>
                 </a:rPr>
-                <a:t> (reword)</a:t>
-              </a:r>
-            </a:p>
-            <a:p>
-              <a:pPr marL="571500" indent="-571500">
-                <a:spcAft>
-                  <a:spcPts val="1800"/>
-                </a:spcAft>
-                <a:buFont typeface="Arial"/>
-                <a:buChar char="•"/>
-              </a:pPr>
-              <a:r>
-                <a:rPr lang="en-US" sz="4400" dirty="0">
+                <a:t>We evaluate the impact of a large </a:t>
+              </a:r>
+              <a:r>
+                <a:rPr lang="en-US" sz="4400" dirty="0" err="1" smtClean="0">
                   <a:solidFill>
-                    <a:srgbClr val="FF0000"/>
+                    <a:schemeClr val="tx1"/>
                   </a:solidFill>
                   <a:latin typeface="Franklin Gothic Book"/>
                   <a:cs typeface="Franklin Gothic Book"/>
                 </a:rPr>
-                <a:t>Describe experiment details here.</a:t>
-              </a:r>
+                <a:t>coflow</a:t>
+              </a:r>
+              <a:r>
+                <a:rPr lang="en-US" sz="4400" dirty="0" smtClean="0">
+                  <a:solidFill>
+                    <a:schemeClr val="tx1"/>
+                  </a:solidFill>
+                  <a:latin typeface="Franklin Gothic Book"/>
+                  <a:cs typeface="Franklin Gothic Book"/>
+                </a:rPr>
+                <a:t> with </a:t>
+              </a:r>
+              <a:r>
+                <a:rPr lang="en-US" sz="4400" dirty="0" smtClean="0">
+                  <a:solidFill>
+                    <a:schemeClr val="tx1"/>
+                  </a:solidFill>
+                  <a:latin typeface="Franklin Gothic Book"/>
+                  <a:cs typeface="Franklin Gothic Book"/>
+                </a:rPr>
+                <a:t>increasing number of flows unidentified to the scheduler on a smaller flow contending for the same resources.</a:t>
+              </a:r>
+              <a:endParaRPr lang="en-US" sz="4400" dirty="0">
+                <a:solidFill>
+                  <a:schemeClr val="tx1"/>
+                </a:solidFill>
+                <a:latin typeface="Franklin Gothic Book"/>
+                <a:cs typeface="Franklin Gothic Book"/>
+              </a:endParaRPr>
             </a:p>
           </p:txBody>
         </p:sp>
@@ -4670,10 +4361,10 @@
         </p:nvGrpSpPr>
         <p:grpSpPr>
           <a:xfrm>
-            <a:off x="29811064" y="15355052"/>
-            <a:ext cx="13128326" cy="3268891"/>
+            <a:off x="29811064" y="3896889"/>
+            <a:ext cx="13128326" cy="1683841"/>
             <a:chOff x="1151866" y="26163754"/>
-            <a:chExt cx="13128326" cy="3268891"/>
+            <a:chExt cx="13128326" cy="1683841"/>
           </a:xfrm>
         </p:grpSpPr>
         <p:sp>
@@ -4748,7 +4439,7 @@
           <p:spPr>
             <a:xfrm>
               <a:off x="1151866" y="27078154"/>
-              <a:ext cx="13128326" cy="2354491"/>
+              <a:ext cx="13128326" cy="769441"/>
             </a:xfrm>
             <a:prstGeom prst="rect">
               <a:avLst/>
@@ -4779,33 +4470,11 @@
             </a:bodyPr>
             <a:lstStyle/>
             <a:p>
-              <a:pPr marL="571500" indent="-571500">
+              <a:pPr>
                 <a:spcAft>
                   <a:spcPts val="1800"/>
                 </a:spcAft>
-                <a:buFont typeface="Arial"/>
-                <a:buChar char="•"/>
               </a:pPr>
-              <a:r>
-                <a:rPr lang="en-US" sz="4400" dirty="0">
-                  <a:solidFill>
-                    <a:srgbClr val="FF0000"/>
-                  </a:solidFill>
-                  <a:latin typeface="Franklin Gothic Book"/>
-                  <a:cs typeface="Franklin Gothic Book"/>
-                </a:rPr>
-                <a:t>Graph of average CCT for increasing number of unlabeled flows in </a:t>
-              </a:r>
-              <a:r>
-                <a:rPr lang="en-US" sz="4400" dirty="0" err="1">
-                  <a:solidFill>
-                    <a:srgbClr val="FF0000"/>
-                  </a:solidFill>
-                  <a:latin typeface="Franklin Gothic Book"/>
-                  <a:cs typeface="Franklin Gothic Book"/>
-                </a:rPr>
-                <a:t>coflow</a:t>
-              </a:r>
               <a:endParaRPr lang="en-US" sz="4400" dirty="0">
                 <a:solidFill>
                   <a:srgbClr val="FF0000"/>
@@ -4814,8 +4483,355 @@
                 <a:cs typeface="Franklin Gothic Book"/>
               </a:endParaRPr>
             </a:p>
+          </p:txBody>
+        </p:sp>
+      </p:grpSp>
+      <p:sp>
+        <p:nvSpPr>
+          <p:cNvPr id="71" name="TextBox 70"/>
+          <p:cNvSpPr txBox="1"/>
+          <p:nvPr/>
+        </p:nvSpPr>
+        <p:spPr>
+          <a:xfrm>
+            <a:off x="15213145" y="14508112"/>
+            <a:ext cx="13128325" cy="3031599"/>
+          </a:xfrm>
+          <a:prstGeom prst="rect">
+            <a:avLst/>
+          </a:prstGeom>
+          <a:noFill/>
+        </p:spPr>
+        <p:txBody>
+          <a:bodyPr wrap="square" rtlCol="0">
+            <a:spAutoFit/>
+          </a:bodyPr>
+          <a:lstStyle/>
+          <a:p>
+            <a:pPr marL="465138" indent="-465138">
+              <a:spcAft>
+                <a:spcPts val="1800"/>
+              </a:spcAft>
+              <a:tabLst>
+                <a:tab pos="1185863" algn="l"/>
+              </a:tabLst>
+            </a:pPr>
+            <a:r>
+              <a:rPr lang="en-US" sz="4400" dirty="0">
+                <a:latin typeface="Franklin Gothic Book"/>
+                <a:cs typeface="Franklin Gothic Book"/>
+              </a:rPr>
+              <a:t>• </a:t>
+            </a:r>
+            <a:r>
+              <a:rPr lang="en-US" sz="4400" dirty="0" smtClean="0">
+                <a:latin typeface="Franklin Gothic Book"/>
+                <a:cs typeface="Franklin Gothic Book"/>
+              </a:rPr>
+              <a:t>Fat tree topology created using </a:t>
+            </a:r>
+            <a:r>
+              <a:rPr lang="en-US" sz="4400" dirty="0" err="1" smtClean="0">
+                <a:latin typeface="Franklin Gothic Book"/>
+                <a:cs typeface="Franklin Gothic Book"/>
+              </a:rPr>
+              <a:t>mininet</a:t>
+            </a:r>
+            <a:endParaRPr lang="en-US" sz="4400" dirty="0" smtClean="0">
+              <a:latin typeface="Franklin Gothic Book"/>
+              <a:cs typeface="Franklin Gothic Book"/>
+            </a:endParaRPr>
+          </a:p>
+          <a:p>
+            <a:pPr marL="465138" indent="-465138">
+              <a:spcAft>
+                <a:spcPts val="1800"/>
+              </a:spcAft>
+              <a:tabLst>
+                <a:tab pos="1185863" algn="l"/>
+              </a:tabLst>
+            </a:pPr>
+            <a:r>
+              <a:rPr lang="en-US" sz="4400" dirty="0">
+                <a:latin typeface="Franklin Gothic Book"/>
+                <a:cs typeface="Franklin Gothic Book"/>
+              </a:rPr>
+              <a:t>• </a:t>
+            </a:r>
+            <a:r>
+              <a:rPr lang="en-US" sz="4400" dirty="0" err="1">
+                <a:latin typeface="Franklin Gothic Book"/>
+                <a:cs typeface="Franklin Gothic Book"/>
+              </a:rPr>
+              <a:t>M</a:t>
+            </a:r>
+            <a:r>
+              <a:rPr lang="en-US" sz="4400" dirty="0" err="1" smtClean="0">
+                <a:latin typeface="Franklin Gothic Book"/>
+                <a:cs typeface="Franklin Gothic Book"/>
+              </a:rPr>
+              <a:t>ininet</a:t>
+            </a:r>
+            <a:r>
+              <a:rPr lang="en-US" sz="4400" dirty="0" smtClean="0">
+                <a:latin typeface="Franklin Gothic Book"/>
+                <a:cs typeface="Franklin Gothic Book"/>
+              </a:rPr>
+              <a:t> hosts were deployed on </a:t>
+            </a:r>
+            <a:r>
+              <a:rPr lang="en-US" sz="4400" dirty="0">
+                <a:latin typeface="Franklin Gothic Book"/>
+                <a:cs typeface="Franklin Gothic Book"/>
+              </a:rPr>
+              <a:t>D</a:t>
+            </a:r>
+            <a:r>
+              <a:rPr lang="en-US" sz="4400" dirty="0" smtClean="0">
+                <a:latin typeface="Franklin Gothic Book"/>
+                <a:cs typeface="Franklin Gothic Book"/>
+              </a:rPr>
+              <a:t>ocker containers so that hosts would have unique hostnames as required by scheduler </a:t>
+            </a:r>
+            <a:endParaRPr lang="en-US" sz="4400" dirty="0">
+              <a:latin typeface="Franklin Gothic Book"/>
+              <a:cs typeface="Franklin Gothic Book"/>
+            </a:endParaRPr>
+          </a:p>
+        </p:txBody>
+      </p:sp>
+      <p:sp>
+        <p:nvSpPr>
+          <p:cNvPr id="79" name="TextBox 78"/>
+          <p:cNvSpPr txBox="1"/>
+          <p:nvPr/>
+        </p:nvSpPr>
+        <p:spPr>
+          <a:xfrm>
+            <a:off x="1079880" y="31594967"/>
+            <a:ext cx="39474472" cy="1323433"/>
+          </a:xfrm>
+          <a:prstGeom prst="rect">
+            <a:avLst/>
+          </a:prstGeom>
+          <a:noFill/>
+        </p:spPr>
+        <p:txBody>
+          <a:bodyPr wrap="square" lIns="91434" tIns="45717" rIns="91434" bIns="45717" rtlCol="0">
+            <a:spAutoFit/>
+          </a:bodyPr>
+          <a:lstStyle/>
+          <a:p>
+            <a:r>
+              <a:rPr lang="en-US" sz="4000" dirty="0"/>
+              <a:t>[1] Chowdhury, </a:t>
+            </a:r>
+            <a:r>
+              <a:rPr lang="en-US" sz="4000" dirty="0" err="1"/>
+              <a:t>Mosharaf</a:t>
+            </a:r>
+            <a:r>
+              <a:rPr lang="en-US" sz="4000" dirty="0"/>
+              <a:t> and Ion </a:t>
+            </a:r>
+            <a:r>
+              <a:rPr lang="en-US" sz="4000" dirty="0" err="1"/>
+              <a:t>Stoica</a:t>
+            </a:r>
+            <a:r>
+              <a:rPr lang="en-US" sz="4000" dirty="0"/>
+              <a:t>, </a:t>
+            </a:r>
+            <a:r>
+              <a:rPr lang="en-US" sz="4000" i="1" dirty="0"/>
+              <a:t>Efficient </a:t>
+            </a:r>
+            <a:r>
+              <a:rPr lang="en-US" sz="4000" i="1" dirty="0" err="1"/>
+              <a:t>Coflow</a:t>
+            </a:r>
+            <a:r>
+              <a:rPr lang="en-US" sz="4000" i="1" dirty="0"/>
+              <a:t> Scheduling Without Prior Knowledge</a:t>
+            </a:r>
+            <a:r>
+              <a:rPr lang="en-US" sz="4000" dirty="0"/>
+              <a:t>, SIGCOMM </a:t>
+            </a:r>
+            <a:r>
+              <a:rPr lang="en-US" sz="4000" dirty="0" smtClean="0"/>
+              <a:t>2015</a:t>
+            </a:r>
+          </a:p>
+          <a:p>
+            <a:r>
+              <a:rPr lang="en-US" sz="4000" dirty="0"/>
+              <a:t>[2] Chowdhury, </a:t>
+            </a:r>
+            <a:r>
+              <a:rPr lang="en-US" sz="4000" dirty="0" err="1"/>
+              <a:t>Mosharaf</a:t>
+            </a:r>
+            <a:r>
+              <a:rPr lang="en-US" sz="4000" dirty="0"/>
+              <a:t>, Yuan </a:t>
+            </a:r>
+            <a:r>
+              <a:rPr lang="en-US" sz="4000" dirty="0" err="1"/>
+              <a:t>Zhong</a:t>
+            </a:r>
+            <a:r>
+              <a:rPr lang="en-US" sz="4000" dirty="0"/>
+              <a:t> and Ion </a:t>
+            </a:r>
+            <a:r>
+              <a:rPr lang="en-US" sz="4000" dirty="0" err="1"/>
+              <a:t>Stoica</a:t>
+            </a:r>
+            <a:r>
+              <a:rPr lang="en-US" sz="4000" dirty="0"/>
+              <a:t>, </a:t>
+            </a:r>
+            <a:r>
+              <a:rPr lang="en-US" sz="4000" i="1" dirty="0"/>
+              <a:t>Efficient </a:t>
+            </a:r>
+            <a:r>
+              <a:rPr lang="en-US" sz="4000" i="1" dirty="0" err="1"/>
+              <a:t>Coflow</a:t>
+            </a:r>
+            <a:r>
+              <a:rPr lang="en-US" sz="4000" i="1" dirty="0"/>
+              <a:t> Scheduling with Varys, </a:t>
+            </a:r>
+            <a:r>
+              <a:rPr lang="en-US" sz="4000" dirty="0"/>
+              <a:t>SIGCOMM </a:t>
+            </a:r>
+            <a:r>
+              <a:rPr lang="en-US" sz="4000" dirty="0" smtClean="0"/>
+              <a:t>2014</a:t>
+            </a:r>
+          </a:p>
+        </p:txBody>
+      </p:sp>
+      <p:grpSp>
+        <p:nvGrpSpPr>
+          <p:cNvPr id="48" name="Group 3"/>
+          <p:cNvGrpSpPr/>
+          <p:nvPr/>
+        </p:nvGrpSpPr>
+        <p:grpSpPr>
+          <a:xfrm>
+            <a:off x="599010" y="11976671"/>
+            <a:ext cx="13128326" cy="12770512"/>
+            <a:chOff x="1151866" y="26187817"/>
+            <a:chExt cx="13128326" cy="12770512"/>
+          </a:xfrm>
+        </p:grpSpPr>
+        <p:sp>
+          <p:nvSpPr>
+            <p:cNvPr id="51" name="TextBox 50"/>
+            <p:cNvSpPr txBox="1"/>
+            <p:nvPr/>
+          </p:nvSpPr>
+          <p:spPr>
+            <a:xfrm>
+              <a:off x="1151867" y="26187817"/>
+              <a:ext cx="13128325" cy="914400"/>
+            </a:xfrm>
+            <a:prstGeom prst="rect">
+              <a:avLst/>
+            </a:prstGeom>
+            <a:ln>
+              <a:noFill/>
+            </a:ln>
+          </p:spPr>
+          <p:style>
+            <a:lnRef idx="2">
+              <a:schemeClr val="accent1">
+                <a:shade val="50000"/>
+              </a:schemeClr>
+            </a:lnRef>
+            <a:fillRef idx="1">
+              <a:schemeClr val="accent1"/>
+            </a:fillRef>
+            <a:effectRef idx="0">
+              <a:schemeClr val="accent1"/>
+            </a:effectRef>
+            <a:fontRef idx="minor">
+              <a:schemeClr val="lt1"/>
+            </a:fontRef>
+          </p:style>
+          <p:txBody>
+            <a:bodyPr wrap="none" lIns="127000" tIns="127000" rIns="127000" bIns="127000" rtlCol="0">
+              <a:normAutofit fontScale="92500" lnSpcReduction="20000"/>
+            </a:bodyPr>
+            <a:lstStyle/>
             <a:p>
-              <a:pPr marL="571500" indent="-571500">
+              <a:pPr algn="just"/>
+              <a:r>
+                <a:rPr lang="en-US" sz="5600" dirty="0" err="1">
+                  <a:solidFill>
+                    <a:schemeClr val="bg1"/>
+                  </a:solidFill>
+                  <a:latin typeface="Franklin Gothic Medium"/>
+                  <a:cs typeface="Franklin Gothic Medium"/>
+                </a:rPr>
+                <a:t>Coflow</a:t>
+              </a:r>
+              <a:r>
+                <a:rPr lang="en-US" sz="5600" dirty="0">
+                  <a:solidFill>
+                    <a:schemeClr val="bg1"/>
+                  </a:solidFill>
+                  <a:latin typeface="Franklin Gothic Medium"/>
+                  <a:cs typeface="Franklin Gothic Medium"/>
+                </a:rPr>
+                <a:t> Schedulers [1], [2]</a:t>
+              </a:r>
+            </a:p>
+          </p:txBody>
+        </p:sp>
+        <p:sp>
+          <p:nvSpPr>
+            <p:cNvPr id="52" name="TextBox 51"/>
+            <p:cNvSpPr txBox="1"/>
+            <p:nvPr/>
+          </p:nvSpPr>
+          <p:spPr>
+            <a:xfrm>
+              <a:off x="1151866" y="27078154"/>
+              <a:ext cx="13128326" cy="11880175"/>
+            </a:xfrm>
+            <a:prstGeom prst="rect">
+              <a:avLst/>
+            </a:prstGeom>
+            <a:ln>
+              <a:noFill/>
+            </a:ln>
+          </p:spPr>
+          <p:style>
+            <a:lnRef idx="2">
+              <a:schemeClr val="accent1"/>
+            </a:lnRef>
+            <a:fillRef idx="1">
+              <a:schemeClr val="lt1"/>
+            </a:fillRef>
+            <a:effectRef idx="0">
+              <a:schemeClr val="accent1"/>
+            </a:effectRef>
+            <a:fontRef idx="minor">
+              <a:schemeClr val="dk1"/>
+            </a:fontRef>
+          </p:style>
+          <p:txBody>
+            <a:bodyPr wrap="square" rtlCol="0">
+              <a:spAutoFit/>
+            </a:bodyPr>
+            <a:lstStyle/>
+            <a:p>
+              <a:pPr marL="571500" indent="-571500" algn="just">
                 <a:spcAft>
                   <a:spcPts val="1800"/>
                 </a:spcAft>
@@ -4824,21 +4840,362 @@
               </a:pPr>
               <a:r>
                 <a:rPr lang="en-US" sz="4400" dirty="0">
-                  <a:solidFill>
-                    <a:srgbClr val="FF0000"/>
-                  </a:solidFill>
                   <a:latin typeface="Franklin Gothic Book"/>
                   <a:cs typeface="Franklin Gothic Book"/>
                 </a:rPr>
-                <a:t>Summarize take-away</a:t>
-              </a:r>
+                <a:t>Inter-</a:t>
+              </a:r>
+              <a:r>
+                <a:rPr lang="en-US" sz="4400" dirty="0" err="1">
+                  <a:latin typeface="Franklin Gothic Book"/>
+                  <a:cs typeface="Franklin Gothic Book"/>
+                </a:rPr>
+                <a:t>coflow</a:t>
+              </a:r>
+              <a:r>
+                <a:rPr lang="en-US" sz="4400" dirty="0">
+                  <a:latin typeface="Franklin Gothic Book"/>
+                  <a:cs typeface="Franklin Gothic Book"/>
+                </a:rPr>
+                <a:t> scheduling is </a:t>
+              </a:r>
+              <a:r>
+                <a:rPr lang="en-US" sz="4400" dirty="0" smtClean="0">
+                  <a:latin typeface="Franklin Gothic Book"/>
+                  <a:cs typeface="Franklin Gothic Book"/>
+                </a:rPr>
+                <a:t>NP-hard; use heuristics</a:t>
+              </a:r>
+              <a:endParaRPr lang="en-US" sz="4400" dirty="0">
+                <a:latin typeface="Franklin Gothic Book"/>
+                <a:cs typeface="Franklin Gothic Book"/>
+              </a:endParaRPr>
+            </a:p>
+            <a:p>
+              <a:pPr marL="571500" indent="-571500" algn="just">
+                <a:spcAft>
+                  <a:spcPts val="1800"/>
+                </a:spcAft>
+                <a:buFont typeface="Arial"/>
+                <a:buChar char="•"/>
+              </a:pPr>
+              <a:r>
+                <a:rPr lang="en-US" sz="4400" dirty="0" err="1">
+                  <a:latin typeface="Franklin Gothic Book"/>
+                  <a:cs typeface="Franklin Gothic Book"/>
+                </a:rPr>
+                <a:t>Varys</a:t>
+              </a:r>
+              <a:r>
+                <a:rPr lang="en-US" sz="4400" dirty="0">
+                  <a:latin typeface="Franklin Gothic Book"/>
+                  <a:cs typeface="Franklin Gothic Book"/>
+                </a:rPr>
+                <a:t> (2014): </a:t>
+              </a:r>
+            </a:p>
+            <a:p>
+              <a:pPr marL="1399032" lvl="1" indent="-571500" algn="just">
+                <a:spcAft>
+                  <a:spcPts val="1800"/>
+                </a:spcAft>
+                <a:buFont typeface="Arial"/>
+                <a:buChar char="•"/>
+              </a:pPr>
+              <a:r>
+                <a:rPr lang="en-US" sz="4400" dirty="0">
+                  <a:latin typeface="Franklin Gothic Book"/>
+                  <a:cs typeface="Franklin Gothic Book"/>
+                </a:rPr>
+                <a:t>Shortest effective bottleneck first</a:t>
+              </a:r>
+            </a:p>
+            <a:p>
+              <a:pPr marL="1399032" lvl="1" indent="-571500" algn="just">
+                <a:spcAft>
+                  <a:spcPts val="1800"/>
+                </a:spcAft>
+                <a:buFont typeface="Arial"/>
+                <a:buChar char="•"/>
+              </a:pPr>
+              <a:r>
+                <a:rPr lang="en-US" sz="4400" dirty="0">
+                  <a:latin typeface="Franklin Gothic Book"/>
+                  <a:cs typeface="Franklin Gothic Book"/>
+                </a:rPr>
+                <a:t>E</a:t>
+              </a:r>
+              <a:r>
+                <a:rPr lang="en-US" sz="4400" dirty="0" smtClean="0">
+                  <a:latin typeface="Franklin Gothic Book"/>
+                  <a:cs typeface="Franklin Gothic Book"/>
+                </a:rPr>
+                <a:t>xploit </a:t>
+              </a:r>
+              <a:r>
+                <a:rPr lang="en-US" sz="4400" dirty="0">
+                  <a:latin typeface="Franklin Gothic Book"/>
+                  <a:cs typeface="Franklin Gothic Book"/>
+                </a:rPr>
+                <a:t>differences between flow lengths in a </a:t>
+              </a:r>
+              <a:r>
+                <a:rPr lang="en-US" sz="4400" dirty="0" err="1">
+                  <a:latin typeface="Franklin Gothic Book"/>
+                  <a:cs typeface="Franklin Gothic Book"/>
+                </a:rPr>
+                <a:t>coflow</a:t>
+              </a:r>
+              <a:r>
+                <a:rPr lang="en-US" sz="4400" dirty="0">
+                  <a:latin typeface="Franklin Gothic Book"/>
+                  <a:cs typeface="Franklin Gothic Book"/>
+                </a:rPr>
+                <a:t> – do not allocate more </a:t>
+              </a:r>
+              <a:r>
+                <a:rPr lang="en-US" sz="4400" dirty="0" smtClean="0">
+                  <a:latin typeface="Franklin Gothic Book"/>
+                  <a:cs typeface="Franklin Gothic Book"/>
+                </a:rPr>
+                <a:t>bandwidth than </a:t>
+              </a:r>
+              <a:r>
+                <a:rPr lang="en-US" sz="4400" dirty="0">
+                  <a:latin typeface="Franklin Gothic Book"/>
+                  <a:cs typeface="Franklin Gothic Book"/>
+                </a:rPr>
+                <a:t>necessary </a:t>
+              </a:r>
+              <a:r>
+                <a:rPr lang="en-US" sz="4400" dirty="0" smtClean="0">
+                  <a:latin typeface="Franklin Gothic Book"/>
+                  <a:cs typeface="Franklin Gothic Book"/>
+                </a:rPr>
+                <a:t>to </a:t>
+              </a:r>
+              <a:r>
+                <a:rPr lang="en-US" sz="4400" dirty="0">
+                  <a:latin typeface="Franklin Gothic Book"/>
+                  <a:cs typeface="Franklin Gothic Book"/>
+                </a:rPr>
+                <a:t>meet minimum possible CCT</a:t>
+              </a:r>
+            </a:p>
+            <a:p>
+              <a:pPr marL="1399032" lvl="1" indent="-571500" algn="just">
+                <a:spcAft>
+                  <a:spcPts val="1800"/>
+                </a:spcAft>
+                <a:buFont typeface="Arial"/>
+                <a:buChar char="•"/>
+              </a:pPr>
+              <a:r>
+                <a:rPr lang="en-US" sz="4400" dirty="0">
+                  <a:latin typeface="Franklin Gothic Book"/>
+                  <a:cs typeface="Franklin Gothic Book"/>
+                </a:rPr>
+                <a:t>Ave. 3.16x faster </a:t>
+              </a:r>
+              <a:r>
+                <a:rPr lang="en-US" sz="4400" dirty="0" err="1">
+                  <a:latin typeface="Franklin Gothic Book"/>
+                  <a:cs typeface="Franklin Gothic Book"/>
+                </a:rPr>
+                <a:t>coflow</a:t>
+              </a:r>
+              <a:r>
+                <a:rPr lang="en-US" sz="4400" dirty="0">
+                  <a:latin typeface="Franklin Gothic Book"/>
+                  <a:cs typeface="Franklin Gothic Book"/>
+                </a:rPr>
+                <a:t> completions </a:t>
+              </a:r>
+            </a:p>
+            <a:p>
+              <a:pPr marL="571500" indent="-571500" algn="just">
+                <a:spcAft>
+                  <a:spcPts val="1800"/>
+                </a:spcAft>
+                <a:buFont typeface="Arial"/>
+                <a:buChar char="•"/>
+              </a:pPr>
+              <a:r>
+                <a:rPr lang="en-US" sz="4400" dirty="0" err="1">
+                  <a:latin typeface="Franklin Gothic Book"/>
+                  <a:cs typeface="Franklin Gothic Book"/>
+                </a:rPr>
+                <a:t>Aalo</a:t>
+              </a:r>
+              <a:r>
+                <a:rPr lang="en-US" sz="4400" dirty="0">
+                  <a:latin typeface="Franklin Gothic Book"/>
+                  <a:cs typeface="Franklin Gothic Book"/>
+                </a:rPr>
+                <a:t> (2015): </a:t>
+              </a:r>
+            </a:p>
+            <a:p>
+              <a:pPr marL="1399032" lvl="1" indent="-571500" algn="just">
+                <a:spcAft>
+                  <a:spcPts val="1800"/>
+                </a:spcAft>
+                <a:buFont typeface="Arial"/>
+                <a:buChar char="•"/>
+              </a:pPr>
+              <a:r>
+                <a:rPr lang="en-US" sz="4400" dirty="0">
+                  <a:latin typeface="Franklin Gothic Book"/>
+                  <a:cs typeface="Franklin Gothic Book"/>
+                </a:rPr>
+                <a:t>No prior knowledge of </a:t>
+              </a:r>
+              <a:r>
+                <a:rPr lang="en-US" sz="4400" dirty="0" err="1">
+                  <a:latin typeface="Franklin Gothic Book"/>
+                  <a:cs typeface="Franklin Gothic Book"/>
+                </a:rPr>
+                <a:t>coflow</a:t>
+              </a:r>
+              <a:r>
+                <a:rPr lang="en-US" sz="4400" dirty="0">
+                  <a:latin typeface="Franklin Gothic Book"/>
+                  <a:cs typeface="Franklin Gothic Book"/>
+                </a:rPr>
+                <a:t> </a:t>
+              </a:r>
+              <a:r>
+                <a:rPr lang="en-US" sz="4400" dirty="0" smtClean="0">
+                  <a:latin typeface="Franklin Gothic Book"/>
+                  <a:cs typeface="Franklin Gothic Book"/>
+                </a:rPr>
+                <a:t>characteristics</a:t>
+              </a:r>
+            </a:p>
+            <a:p>
+              <a:pPr marL="1399032" lvl="1" indent="-571500" algn="just">
+                <a:spcAft>
+                  <a:spcPts val="1800"/>
+                </a:spcAft>
+                <a:buFont typeface="Arial"/>
+                <a:buChar char="•"/>
+              </a:pPr>
+              <a:r>
+                <a:rPr lang="en-US" sz="4400" dirty="0" smtClean="0">
+                  <a:latin typeface="Franklin Gothic Book"/>
+                  <a:cs typeface="Franklin Gothic Book"/>
+                </a:rPr>
+                <a:t>Multilevel queue with thresholds based on observed </a:t>
+              </a:r>
+              <a:r>
+                <a:rPr lang="en-US" sz="4400" dirty="0" err="1" smtClean="0">
+                  <a:latin typeface="Franklin Gothic Book"/>
+                  <a:cs typeface="Franklin Gothic Book"/>
+                </a:rPr>
+                <a:t>coflow</a:t>
+              </a:r>
+              <a:r>
+                <a:rPr lang="en-US" sz="4400" dirty="0" smtClean="0">
+                  <a:latin typeface="Franklin Gothic Book"/>
+                  <a:cs typeface="Franklin Gothic Book"/>
+                </a:rPr>
+                <a:t> size </a:t>
+              </a:r>
+              <a:endParaRPr lang="en-US" sz="4400" dirty="0">
+                <a:latin typeface="Franklin Gothic Book"/>
+                <a:cs typeface="Franklin Gothic Book"/>
+              </a:endParaRPr>
+            </a:p>
+            <a:p>
+              <a:pPr marL="1399032" lvl="1" indent="-571500" algn="just">
+                <a:spcAft>
+                  <a:spcPts val="1800"/>
+                </a:spcAft>
+                <a:buFont typeface="Arial"/>
+                <a:buChar char="•"/>
+              </a:pPr>
+              <a:r>
+                <a:rPr lang="en-US" sz="4400" dirty="0">
+                  <a:latin typeface="Franklin Gothic Book"/>
+                  <a:cs typeface="Franklin Gothic Book"/>
+                </a:rPr>
+                <a:t>G</a:t>
+              </a:r>
+              <a:r>
+                <a:rPr lang="en-US" sz="4400" dirty="0" smtClean="0">
+                  <a:latin typeface="Franklin Gothic Book"/>
+                  <a:cs typeface="Franklin Gothic Book"/>
+                </a:rPr>
+                <a:t>eneralize </a:t>
+              </a:r>
+              <a:r>
+                <a:rPr lang="en-US" sz="4400" dirty="0">
+                  <a:latin typeface="Franklin Gothic Book"/>
+                  <a:cs typeface="Franklin Gothic Book"/>
+                </a:rPr>
+                <a:t>least attained service to </a:t>
+              </a:r>
+              <a:r>
+                <a:rPr lang="en-US" sz="4400" dirty="0" err="1">
+                  <a:latin typeface="Franklin Gothic Book"/>
+                  <a:cs typeface="Franklin Gothic Book"/>
+                </a:rPr>
+                <a:t>coflows</a:t>
+              </a:r>
+              <a:endParaRPr lang="en-US" sz="4400" dirty="0">
+                <a:latin typeface="Franklin Gothic Book"/>
+                <a:cs typeface="Franklin Gothic Book"/>
+              </a:endParaRPr>
+            </a:p>
+            <a:p>
+              <a:pPr marL="1399032" lvl="1" indent="-571500" algn="just">
+                <a:spcAft>
+                  <a:spcPts val="1800"/>
+                </a:spcAft>
+                <a:buFont typeface="Arial"/>
+                <a:buChar char="•"/>
+              </a:pPr>
+              <a:r>
+                <a:rPr lang="en-US" sz="4400" dirty="0">
+                  <a:latin typeface="Franklin Gothic Book"/>
+                  <a:cs typeface="Franklin Gothic Book"/>
+                </a:rPr>
+                <a:t>Ave. 1.93x faster </a:t>
+              </a:r>
+              <a:r>
+                <a:rPr lang="en-US" sz="4400" dirty="0" err="1">
+                  <a:latin typeface="Franklin Gothic Book"/>
+                  <a:cs typeface="Franklin Gothic Book"/>
+                </a:rPr>
+                <a:t>coflow</a:t>
+              </a:r>
+              <a:r>
+                <a:rPr lang="en-US" sz="4400" dirty="0">
+                  <a:latin typeface="Franklin Gothic Book"/>
+                  <a:cs typeface="Franklin Gothic Book"/>
+                </a:rPr>
+                <a:t> completions</a:t>
+              </a:r>
+            </a:p>
+            <a:p>
+              <a:pPr marL="571500" indent="-571500" algn="just">
+                <a:spcAft>
+                  <a:spcPts val="1800"/>
+                </a:spcAft>
+                <a:buFont typeface="Arial"/>
+                <a:buChar char="•"/>
+              </a:pPr>
+              <a:endParaRPr lang="en-US" sz="4400" dirty="0">
+                <a:latin typeface="Franklin Gothic Book"/>
+                <a:cs typeface="Franklin Gothic Book"/>
+              </a:endParaRPr>
             </a:p>
           </p:txBody>
         </p:sp>
       </p:grpSp>
       <p:pic>
         <p:nvPicPr>
-          <p:cNvPr id="11" name="Изображение 10" descr="Coflow system - Poster.png"/>
+          <p:cNvPr id="33" name="Picture 32"/>
           <p:cNvPicPr>
             <a:picLocks noChangeAspect="1"/>
           </p:cNvPicPr>
@@ -4858,24 +5215,594 @@
         </p:blipFill>
         <p:spPr>
           <a:xfrm>
-            <a:off x="14960901" y="12591909"/>
-            <a:ext cx="14344192" cy="15034259"/>
+            <a:off x="14807681" y="17780245"/>
+            <a:ext cx="14015932" cy="13678796"/>
           </a:xfrm>
           <a:prstGeom prst="rect">
             <a:avLst/>
           </a:prstGeom>
         </p:spPr>
       </p:pic>
-      <p:sp>
-        <p:nvSpPr>
-          <p:cNvPr id="71" name="TextBox 70"/>
+      <p:grpSp>
+        <p:nvGrpSpPr>
+          <p:cNvPr id="117" name="Group 116"/>
+          <p:cNvGrpSpPr/>
+          <p:nvPr/>
+        </p:nvGrpSpPr>
+        <p:grpSpPr>
+          <a:xfrm>
+            <a:off x="3240130" y="25342896"/>
+            <a:ext cx="8216038" cy="2450513"/>
+            <a:chOff x="15884236" y="27933933"/>
+            <a:chExt cx="5073812" cy="1936388"/>
+          </a:xfrm>
+        </p:grpSpPr>
+        <p:cxnSp>
+          <p:nvCxnSpPr>
+            <p:cNvPr id="101" name="Straight Connector 100"/>
+            <p:cNvCxnSpPr/>
+            <p:nvPr/>
+          </p:nvCxnSpPr>
+          <p:spPr>
+            <a:xfrm>
+              <a:off x="15884236" y="27933933"/>
+              <a:ext cx="5073812" cy="0"/>
+            </a:xfrm>
+            <a:prstGeom prst="line">
+              <a:avLst/>
+            </a:prstGeom>
+          </p:spPr>
+          <p:style>
+            <a:lnRef idx="2">
+              <a:schemeClr val="dk1"/>
+            </a:lnRef>
+            <a:fillRef idx="0">
+              <a:schemeClr val="dk1"/>
+            </a:fillRef>
+            <a:effectRef idx="1">
+              <a:schemeClr val="dk1"/>
+            </a:effectRef>
+            <a:fontRef idx="minor">
+              <a:schemeClr val="tx1"/>
+            </a:fontRef>
+          </p:style>
+        </p:cxnSp>
+        <p:cxnSp>
+          <p:nvCxnSpPr>
+            <p:cNvPr id="103" name="Straight Connector 102"/>
+            <p:cNvCxnSpPr/>
+            <p:nvPr/>
+          </p:nvCxnSpPr>
+          <p:spPr>
+            <a:xfrm>
+              <a:off x="15884236" y="27933933"/>
+              <a:ext cx="0" cy="1936388"/>
+            </a:xfrm>
+            <a:prstGeom prst="line">
+              <a:avLst/>
+            </a:prstGeom>
+          </p:spPr>
+          <p:style>
+            <a:lnRef idx="2">
+              <a:schemeClr val="dk1"/>
+            </a:lnRef>
+            <a:fillRef idx="0">
+              <a:schemeClr val="dk1"/>
+            </a:fillRef>
+            <a:effectRef idx="1">
+              <a:schemeClr val="dk1"/>
+            </a:effectRef>
+            <a:fontRef idx="minor">
+              <a:schemeClr val="tx1"/>
+            </a:fontRef>
+          </p:style>
+        </p:cxnSp>
+        <p:cxnSp>
+          <p:nvCxnSpPr>
+            <p:cNvPr id="116" name="Straight Connector 115"/>
+            <p:cNvCxnSpPr/>
+            <p:nvPr/>
+          </p:nvCxnSpPr>
+          <p:spPr>
+            <a:xfrm>
+              <a:off x="15884236" y="29870321"/>
+              <a:ext cx="5073812" cy="0"/>
+            </a:xfrm>
+            <a:prstGeom prst="line">
+              <a:avLst/>
+            </a:prstGeom>
+          </p:spPr>
+          <p:style>
+            <a:lnRef idx="2">
+              <a:schemeClr val="dk1"/>
+            </a:lnRef>
+            <a:fillRef idx="0">
+              <a:schemeClr val="dk1"/>
+            </a:fillRef>
+            <a:effectRef idx="1">
+              <a:schemeClr val="dk1"/>
+            </a:effectRef>
+            <a:fontRef idx="minor">
+              <a:schemeClr val="tx1"/>
+            </a:fontRef>
+          </p:style>
+        </p:cxnSp>
+      </p:grpSp>
+      <p:grpSp>
+        <p:nvGrpSpPr>
+          <p:cNvPr id="130" name="Group 129"/>
+          <p:cNvGrpSpPr/>
+          <p:nvPr/>
+        </p:nvGrpSpPr>
+        <p:grpSpPr>
+          <a:xfrm>
+            <a:off x="3407850" y="25537969"/>
+            <a:ext cx="4502706" cy="2060448"/>
+            <a:chOff x="16051956" y="27614881"/>
+            <a:chExt cx="3271176" cy="2060448"/>
+          </a:xfrm>
+        </p:grpSpPr>
+        <p:sp>
+          <p:nvSpPr>
+            <p:cNvPr id="118" name="Rectangle 117"/>
+            <p:cNvSpPr/>
+            <p:nvPr/>
+          </p:nvSpPr>
+          <p:spPr>
+            <a:xfrm>
+              <a:off x="16056863" y="27614881"/>
+              <a:ext cx="3261466" cy="2060448"/>
+            </a:xfrm>
+            <a:prstGeom prst="rect">
+              <a:avLst/>
+            </a:prstGeom>
+            <a:solidFill>
+              <a:schemeClr val="tx2">
+                <a:lumMod val="20000"/>
+                <a:lumOff val="80000"/>
+              </a:schemeClr>
+            </a:solidFill>
+          </p:spPr>
+          <p:style>
+            <a:lnRef idx="2">
+              <a:schemeClr val="accent1">
+                <a:shade val="50000"/>
+              </a:schemeClr>
+            </a:lnRef>
+            <a:fillRef idx="1">
+              <a:schemeClr val="accent1"/>
+            </a:fillRef>
+            <a:effectRef idx="0">
+              <a:schemeClr val="accent1"/>
+            </a:effectRef>
+            <a:fontRef idx="minor">
+              <a:schemeClr val="lt1"/>
+            </a:fontRef>
+          </p:style>
+          <p:txBody>
+            <a:bodyPr rtlCol="0" anchor="ctr"/>
+            <a:lstStyle/>
+            <a:p>
+              <a:pPr algn="ctr"/>
+              <a:endParaRPr lang="en-US"/>
+            </a:p>
+          </p:txBody>
+        </p:sp>
+        <p:cxnSp>
+          <p:nvCxnSpPr>
+            <p:cNvPr id="120" name="Straight Connector 119"/>
+            <p:cNvCxnSpPr/>
+            <p:nvPr/>
+          </p:nvCxnSpPr>
+          <p:spPr>
+            <a:xfrm>
+              <a:off x="16082436" y="28065984"/>
+              <a:ext cx="3240696" cy="0"/>
+            </a:xfrm>
+            <a:prstGeom prst="line">
+              <a:avLst/>
+            </a:prstGeom>
+          </p:spPr>
+          <p:style>
+            <a:lnRef idx="2">
+              <a:schemeClr val="accent1"/>
+            </a:lnRef>
+            <a:fillRef idx="0">
+              <a:schemeClr val="accent1"/>
+            </a:fillRef>
+            <a:effectRef idx="1">
+              <a:schemeClr val="accent1"/>
+            </a:effectRef>
+            <a:fontRef idx="minor">
+              <a:schemeClr val="tx1"/>
+            </a:fontRef>
+          </p:style>
+        </p:cxnSp>
+        <p:sp>
+          <p:nvSpPr>
+            <p:cNvPr id="84" name="TextBox 83"/>
+            <p:cNvSpPr txBox="1"/>
+            <p:nvPr/>
+          </p:nvSpPr>
+          <p:spPr>
+            <a:xfrm rot="5400000">
+              <a:off x="17437812" y="28309889"/>
+              <a:ext cx="571933" cy="1015663"/>
+            </a:xfrm>
+            <a:prstGeom prst="rect">
+              <a:avLst/>
+            </a:prstGeom>
+            <a:noFill/>
+          </p:spPr>
+          <p:txBody>
+            <a:bodyPr wrap="square" rtlCol="0">
+              <a:spAutoFit/>
+            </a:bodyPr>
+            <a:lstStyle/>
+            <a:p>
+              <a:r>
+                <a:rPr lang="en-US" sz="6000" b="1" dirty="0" smtClean="0">
+                  <a:solidFill>
+                    <a:schemeClr val="accent1"/>
+                  </a:solidFill>
+                </a:rPr>
+                <a:t>…</a:t>
+              </a:r>
+              <a:endParaRPr lang="en-US" sz="6000" b="1" dirty="0">
+                <a:solidFill>
+                  <a:schemeClr val="accent1"/>
+                </a:solidFill>
+              </a:endParaRPr>
+            </a:p>
+          </p:txBody>
+        </p:sp>
+        <p:cxnSp>
+          <p:nvCxnSpPr>
+            <p:cNvPr id="126" name="Straight Connector 125"/>
+            <p:cNvCxnSpPr/>
+            <p:nvPr/>
+          </p:nvCxnSpPr>
+          <p:spPr>
+            <a:xfrm>
+              <a:off x="16051956" y="28535376"/>
+              <a:ext cx="3240696" cy="0"/>
+            </a:xfrm>
+            <a:prstGeom prst="line">
+              <a:avLst/>
+            </a:prstGeom>
+          </p:spPr>
+          <p:style>
+            <a:lnRef idx="2">
+              <a:schemeClr val="accent1"/>
+            </a:lnRef>
+            <a:fillRef idx="0">
+              <a:schemeClr val="accent1"/>
+            </a:fillRef>
+            <a:effectRef idx="1">
+              <a:schemeClr val="accent1"/>
+            </a:effectRef>
+            <a:fontRef idx="minor">
+              <a:schemeClr val="tx1"/>
+            </a:fontRef>
+          </p:style>
+        </p:cxnSp>
+        <p:cxnSp>
+          <p:nvCxnSpPr>
+            <p:cNvPr id="127" name="Straight Connector 126"/>
+            <p:cNvCxnSpPr/>
+            <p:nvPr/>
+          </p:nvCxnSpPr>
+          <p:spPr>
+            <a:xfrm>
+              <a:off x="16064148" y="29242512"/>
+              <a:ext cx="3240696" cy="0"/>
+            </a:xfrm>
+            <a:prstGeom prst="line">
+              <a:avLst/>
+            </a:prstGeom>
+          </p:spPr>
+          <p:style>
+            <a:lnRef idx="2">
+              <a:schemeClr val="accent1"/>
+            </a:lnRef>
+            <a:fillRef idx="0">
+              <a:schemeClr val="accent1"/>
+            </a:fillRef>
+            <a:effectRef idx="1">
+              <a:schemeClr val="accent1"/>
+            </a:effectRef>
+            <a:fontRef idx="minor">
+              <a:schemeClr val="tx1"/>
+            </a:fontRef>
+          </p:style>
+        </p:cxnSp>
+      </p:grpSp>
+      <p:grpSp>
+        <p:nvGrpSpPr>
+          <p:cNvPr id="131" name="Group 130"/>
+          <p:cNvGrpSpPr/>
+          <p:nvPr/>
+        </p:nvGrpSpPr>
+        <p:grpSpPr>
+          <a:xfrm>
+            <a:off x="8119813" y="25537969"/>
+            <a:ext cx="1391963" cy="2060368"/>
+            <a:chOff x="16051956" y="27614881"/>
+            <a:chExt cx="3631956" cy="2060448"/>
+          </a:xfrm>
+        </p:grpSpPr>
+        <p:sp>
+          <p:nvSpPr>
+            <p:cNvPr id="132" name="Rectangle 131"/>
+            <p:cNvSpPr/>
+            <p:nvPr/>
+          </p:nvSpPr>
+          <p:spPr>
+            <a:xfrm>
+              <a:off x="16056863" y="27614881"/>
+              <a:ext cx="3261466" cy="2060448"/>
+            </a:xfrm>
+            <a:prstGeom prst="rect">
+              <a:avLst/>
+            </a:prstGeom>
+            <a:solidFill>
+              <a:schemeClr val="tx2">
+                <a:lumMod val="20000"/>
+                <a:lumOff val="80000"/>
+              </a:schemeClr>
+            </a:solidFill>
+          </p:spPr>
+          <p:style>
+            <a:lnRef idx="2">
+              <a:schemeClr val="accent1">
+                <a:shade val="50000"/>
+              </a:schemeClr>
+            </a:lnRef>
+            <a:fillRef idx="1">
+              <a:schemeClr val="accent1"/>
+            </a:fillRef>
+            <a:effectRef idx="0">
+              <a:schemeClr val="accent1"/>
+            </a:effectRef>
+            <a:fontRef idx="minor">
+              <a:schemeClr val="lt1"/>
+            </a:fontRef>
+          </p:style>
+          <p:txBody>
+            <a:bodyPr rtlCol="0" anchor="ctr"/>
+            <a:lstStyle/>
+            <a:p>
+              <a:pPr algn="ctr"/>
+              <a:endParaRPr lang="en-US"/>
+            </a:p>
+          </p:txBody>
+        </p:sp>
+        <p:cxnSp>
+          <p:nvCxnSpPr>
+            <p:cNvPr id="133" name="Straight Connector 132"/>
+            <p:cNvCxnSpPr/>
+            <p:nvPr/>
+          </p:nvCxnSpPr>
+          <p:spPr>
+            <a:xfrm>
+              <a:off x="16082436" y="28065984"/>
+              <a:ext cx="3240696" cy="0"/>
+            </a:xfrm>
+            <a:prstGeom prst="line">
+              <a:avLst/>
+            </a:prstGeom>
+          </p:spPr>
+          <p:style>
+            <a:lnRef idx="2">
+              <a:schemeClr val="accent1"/>
+            </a:lnRef>
+            <a:fillRef idx="0">
+              <a:schemeClr val="accent1"/>
+            </a:fillRef>
+            <a:effectRef idx="1">
+              <a:schemeClr val="accent1"/>
+            </a:effectRef>
+            <a:fontRef idx="minor">
+              <a:schemeClr val="tx1"/>
+            </a:fontRef>
+          </p:style>
+        </p:cxnSp>
+        <p:sp>
+          <p:nvSpPr>
+            <p:cNvPr id="134" name="TextBox 133"/>
+            <p:cNvSpPr txBox="1"/>
+            <p:nvPr/>
+          </p:nvSpPr>
+          <p:spPr>
+            <a:xfrm rot="5400000">
+              <a:off x="18890116" y="28309887"/>
+              <a:ext cx="571933" cy="1015659"/>
+            </a:xfrm>
+            <a:prstGeom prst="rect">
+              <a:avLst/>
+            </a:prstGeom>
+            <a:noFill/>
+          </p:spPr>
+          <p:txBody>
+            <a:bodyPr wrap="square" rtlCol="0">
+              <a:spAutoFit/>
+            </a:bodyPr>
+            <a:lstStyle/>
+            <a:p>
+              <a:r>
+                <a:rPr lang="en-US" sz="6000" b="1" dirty="0" smtClean="0">
+                  <a:solidFill>
+                    <a:schemeClr val="accent1"/>
+                  </a:solidFill>
+                </a:rPr>
+                <a:t>…</a:t>
+              </a:r>
+              <a:endParaRPr lang="en-US" sz="6000" b="1" dirty="0">
+                <a:solidFill>
+                  <a:schemeClr val="accent1"/>
+                </a:solidFill>
+              </a:endParaRPr>
+            </a:p>
+          </p:txBody>
+        </p:sp>
+        <p:cxnSp>
+          <p:nvCxnSpPr>
+            <p:cNvPr id="135" name="Straight Connector 134"/>
+            <p:cNvCxnSpPr/>
+            <p:nvPr/>
+          </p:nvCxnSpPr>
+          <p:spPr>
+            <a:xfrm>
+              <a:off x="16051956" y="28535376"/>
+              <a:ext cx="3240696" cy="0"/>
+            </a:xfrm>
+            <a:prstGeom prst="line">
+              <a:avLst/>
+            </a:prstGeom>
+          </p:spPr>
+          <p:style>
+            <a:lnRef idx="2">
+              <a:schemeClr val="accent1"/>
+            </a:lnRef>
+            <a:fillRef idx="0">
+              <a:schemeClr val="accent1"/>
+            </a:fillRef>
+            <a:effectRef idx="1">
+              <a:schemeClr val="accent1"/>
+            </a:effectRef>
+            <a:fontRef idx="minor">
+              <a:schemeClr val="tx1"/>
+            </a:fontRef>
+          </p:style>
+        </p:cxnSp>
+        <p:cxnSp>
+          <p:nvCxnSpPr>
+            <p:cNvPr id="136" name="Straight Connector 135"/>
+            <p:cNvCxnSpPr/>
+            <p:nvPr/>
+          </p:nvCxnSpPr>
+          <p:spPr>
+            <a:xfrm>
+              <a:off x="16064148" y="29242512"/>
+              <a:ext cx="3240696" cy="0"/>
+            </a:xfrm>
+            <a:prstGeom prst="line">
+              <a:avLst/>
+            </a:prstGeom>
+          </p:spPr>
+          <p:style>
+            <a:lnRef idx="2">
+              <a:schemeClr val="accent1"/>
+            </a:lnRef>
+            <a:fillRef idx="0">
+              <a:schemeClr val="accent1"/>
+            </a:fillRef>
+            <a:effectRef idx="1">
+              <a:schemeClr val="accent1"/>
+            </a:effectRef>
+            <a:fontRef idx="minor">
+              <a:schemeClr val="tx1"/>
+            </a:fontRef>
+          </p:style>
+        </p:cxnSp>
+      </p:grpSp>
+      <p:sp>
+        <p:nvSpPr>
+          <p:cNvPr id="137" name="Rectangle 136"/>
+          <p:cNvSpPr/>
+          <p:nvPr/>
+        </p:nvSpPr>
+        <p:spPr>
+          <a:xfrm>
+            <a:off x="3414604" y="25528873"/>
+            <a:ext cx="4495952" cy="460199"/>
+          </a:xfrm>
+          <a:prstGeom prst="rect">
+            <a:avLst/>
+          </a:prstGeom>
+          <a:noFill/>
+          <a:ln w="76200">
+            <a:solidFill>
+              <a:schemeClr val="accent6"/>
+            </a:solidFill>
+          </a:ln>
+        </p:spPr>
+        <p:style>
+          <a:lnRef idx="2">
+            <a:schemeClr val="accent6"/>
+          </a:lnRef>
+          <a:fillRef idx="1">
+            <a:schemeClr val="lt1"/>
+          </a:fillRef>
+          <a:effectRef idx="0">
+            <a:schemeClr val="accent6"/>
+          </a:effectRef>
+          <a:fontRef idx="minor">
+            <a:schemeClr val="dk1"/>
+          </a:fontRef>
+        </p:style>
+        <p:txBody>
+          <a:bodyPr rtlCol="0" anchor="ctr"/>
+          <a:lstStyle/>
+          <a:p>
+            <a:pPr algn="ctr"/>
+            <a:endParaRPr lang="en-US"/>
+          </a:p>
+        </p:txBody>
+      </p:sp>
+      <p:cxnSp>
+        <p:nvCxnSpPr>
+          <p:cNvPr id="139" name="Straight Arrow Connector 138"/>
+          <p:cNvCxnSpPr/>
+          <p:nvPr/>
+        </p:nvCxnSpPr>
+        <p:spPr>
+          <a:xfrm>
+            <a:off x="2388966" y="24759470"/>
+            <a:ext cx="1060839" cy="769403"/>
+          </a:xfrm>
+          <a:prstGeom prst="straightConnector1">
+            <a:avLst/>
+          </a:prstGeom>
+          <a:ln w="57150">
+            <a:solidFill>
+              <a:schemeClr val="accent6"/>
+            </a:solidFill>
+            <a:tailEnd type="triangle"/>
+          </a:ln>
+          <a:effectLst>
+            <a:outerShdw blurRad="50800" dist="38100" dir="2700000" algn="tl" rotWithShape="0">
+              <a:prstClr val="black">
+                <a:alpha val="40000"/>
+              </a:prstClr>
+            </a:outerShdw>
+          </a:effectLst>
+        </p:spPr>
+        <p:style>
+          <a:lnRef idx="2">
+            <a:schemeClr val="accent1"/>
+          </a:lnRef>
+          <a:fillRef idx="0">
+            <a:schemeClr val="accent1"/>
+          </a:fillRef>
+          <a:effectRef idx="1">
+            <a:schemeClr val="accent1"/>
+          </a:effectRef>
+          <a:fontRef idx="minor">
+            <a:schemeClr val="tx1"/>
+          </a:fontRef>
+        </p:style>
+      </p:cxnSp>
+      <p:sp>
+        <p:nvSpPr>
+          <p:cNvPr id="142" name="TextBox 141"/>
           <p:cNvSpPr txBox="1"/>
           <p:nvPr/>
         </p:nvSpPr>
         <p:spPr>
           <a:xfrm>
-            <a:off x="15381435" y="7385317"/>
-            <a:ext cx="13128325" cy="5309146"/>
+            <a:off x="2152247" y="24195280"/>
+            <a:ext cx="2595716" cy="584775"/>
           </a:xfrm>
           <a:prstGeom prst="rect">
             <a:avLst/>
@@ -4888,236 +5815,157 @@
           </a:bodyPr>
           <a:lstStyle/>
           <a:p>
-            <a:pPr marL="465138" indent="-465138">
-              <a:spcAft>
-                <a:spcPts val="1800"/>
-              </a:spcAft>
-              <a:tabLst>
-                <a:tab pos="1185863" algn="l"/>
-              </a:tabLst>
-            </a:pPr>
-            <a:r>
-              <a:rPr lang="en-US" sz="4400" dirty="0">
-                <a:latin typeface="Franklin Gothic Book"/>
-                <a:cs typeface="Franklin Gothic Book"/>
+            <a:r>
+              <a:rPr lang="en-US" sz="3200" b="1" dirty="0" smtClean="0">
+                <a:solidFill>
+                  <a:schemeClr val="accent6"/>
+                </a:solidFill>
               </a:rPr>
-              <a:t>• </a:t>
-            </a:r>
-            <a:r>
-              <a:rPr lang="en-US" sz="4400" dirty="0" err="1" smtClean="0">
-                <a:latin typeface="Franklin Gothic Book"/>
-                <a:cs typeface="Franklin Gothic Book"/>
-              </a:rPr>
-              <a:t>Discription</a:t>
-            </a:r>
-            <a:r>
-              <a:rPr lang="en-US" sz="4400" dirty="0" smtClean="0">
-                <a:latin typeface="Franklin Gothic Book"/>
-                <a:cs typeface="Franklin Gothic Book"/>
-              </a:rPr>
-              <a:t> of simulation</a:t>
-            </a:r>
-          </a:p>
-          <a:p>
-            <a:pPr marL="465138" indent="-465138">
-              <a:spcAft>
-                <a:spcPts val="1800"/>
-              </a:spcAft>
-              <a:tabLst>
-                <a:tab pos="1185863" algn="l"/>
-              </a:tabLst>
-            </a:pPr>
-            <a:r>
-              <a:rPr lang="en-US" sz="4400" dirty="0">
-                <a:latin typeface="Franklin Gothic Book"/>
-                <a:cs typeface="Franklin Gothic Book"/>
-              </a:rPr>
-              <a:t>• </a:t>
-            </a:r>
-            <a:r>
-              <a:rPr lang="en-US" sz="4400" dirty="0" err="1">
-                <a:latin typeface="Franklin Gothic Book"/>
-                <a:cs typeface="Franklin Gothic Book"/>
-              </a:rPr>
-              <a:t>Discription</a:t>
-            </a:r>
-            <a:r>
-              <a:rPr lang="en-US" sz="4400" dirty="0">
-                <a:latin typeface="Franklin Gothic Book"/>
-                <a:cs typeface="Franklin Gothic Book"/>
-              </a:rPr>
-              <a:t> of simulation</a:t>
-            </a:r>
-          </a:p>
-          <a:p>
-            <a:pPr marL="465138" indent="-465138">
-              <a:spcAft>
-                <a:spcPts val="1800"/>
-              </a:spcAft>
-              <a:tabLst>
-                <a:tab pos="1185863" algn="l"/>
-              </a:tabLst>
-            </a:pPr>
-            <a:r>
-              <a:rPr lang="en-US" sz="4400" dirty="0">
-                <a:latin typeface="Franklin Gothic Book"/>
-                <a:cs typeface="Franklin Gothic Book"/>
-              </a:rPr>
-              <a:t>• </a:t>
-            </a:r>
-            <a:r>
-              <a:rPr lang="en-US" sz="4400" dirty="0" err="1">
-                <a:latin typeface="Franklin Gothic Book"/>
-                <a:cs typeface="Franklin Gothic Book"/>
-              </a:rPr>
-              <a:t>Discription</a:t>
-            </a:r>
-            <a:r>
-              <a:rPr lang="en-US" sz="4400" dirty="0">
-                <a:latin typeface="Franklin Gothic Book"/>
-                <a:cs typeface="Franklin Gothic Book"/>
-              </a:rPr>
-              <a:t> of simulation</a:t>
-            </a:r>
-          </a:p>
-          <a:p>
-            <a:pPr marL="465138" indent="-465138">
-              <a:spcAft>
-                <a:spcPts val="1800"/>
-              </a:spcAft>
-              <a:tabLst>
-                <a:tab pos="1185863" algn="l"/>
-              </a:tabLst>
-            </a:pPr>
-            <a:r>
-              <a:rPr lang="en-US" sz="4400" dirty="0">
-                <a:latin typeface="Franklin Gothic Book"/>
-                <a:cs typeface="Franklin Gothic Book"/>
-              </a:rPr>
-              <a:t>• </a:t>
-            </a:r>
-            <a:r>
-              <a:rPr lang="en-US" sz="4400" dirty="0" err="1">
-                <a:latin typeface="Franklin Gothic Book"/>
-                <a:cs typeface="Franklin Gothic Book"/>
-              </a:rPr>
-              <a:t>Discription</a:t>
-            </a:r>
-            <a:r>
-              <a:rPr lang="en-US" sz="4400" dirty="0">
-                <a:latin typeface="Franklin Gothic Book"/>
-                <a:cs typeface="Franklin Gothic Book"/>
-              </a:rPr>
-              <a:t> of </a:t>
-            </a:r>
-            <a:r>
-              <a:rPr lang="en-US" sz="4400" dirty="0" smtClean="0">
-                <a:latin typeface="Franklin Gothic Book"/>
-                <a:cs typeface="Franklin Gothic Book"/>
-              </a:rPr>
-              <a:t>simulation</a:t>
-            </a:r>
-            <a:endParaRPr lang="en-US" sz="4400" dirty="0">
-              <a:latin typeface="Franklin Gothic Book"/>
-              <a:cs typeface="Franklin Gothic Book"/>
+              <a:t>Flow</a:t>
+            </a:r>
+            <a:endParaRPr lang="en-US" sz="3200" b="1" dirty="0">
+              <a:solidFill>
+                <a:schemeClr val="accent6"/>
+              </a:solidFill>
             </a:endParaRPr>
           </a:p>
-          <a:p>
-            <a:pPr marL="465138" indent="-465138">
-              <a:spcAft>
-                <a:spcPts val="1800"/>
-              </a:spcAft>
-              <a:tabLst>
-                <a:tab pos="1185863" algn="l"/>
-              </a:tabLst>
-            </a:pPr>
-            <a:r>
-              <a:rPr lang="en-US" sz="4400" dirty="0">
-                <a:latin typeface="Franklin Gothic Book"/>
-                <a:cs typeface="Franklin Gothic Book"/>
-              </a:rPr>
-              <a:t>• </a:t>
-            </a:r>
-            <a:r>
-              <a:rPr lang="en-US" sz="4400" dirty="0" err="1">
-                <a:latin typeface="Franklin Gothic Book"/>
-                <a:cs typeface="Franklin Gothic Book"/>
-              </a:rPr>
-              <a:t>Discription</a:t>
-            </a:r>
-            <a:r>
-              <a:rPr lang="en-US" sz="4400" dirty="0">
-                <a:latin typeface="Franklin Gothic Book"/>
-                <a:cs typeface="Franklin Gothic Book"/>
-              </a:rPr>
-              <a:t> of </a:t>
-            </a:r>
-            <a:r>
-              <a:rPr lang="en-US" sz="4400" dirty="0" smtClean="0">
-                <a:latin typeface="Franklin Gothic Book"/>
-                <a:cs typeface="Franklin Gothic Book"/>
-              </a:rPr>
-              <a:t>simulation</a:t>
-            </a:r>
-            <a:endParaRPr lang="en-US" sz="4400" dirty="0" smtClean="0">
-              <a:latin typeface="Franklin Gothic Book"/>
-              <a:cs typeface="Franklin Gothic Book"/>
-            </a:endParaRPr>
-          </a:p>
-          <a:p>
-            <a:pPr marL="465138" indent="-465138">
-              <a:spcAft>
-                <a:spcPts val="1800"/>
-              </a:spcAft>
-              <a:tabLst>
-                <a:tab pos="1185863" algn="l"/>
-              </a:tabLst>
-            </a:pPr>
-            <a:r>
-              <a:rPr lang="en-US" sz="4400" dirty="0">
-                <a:latin typeface="Franklin Gothic Book"/>
-                <a:cs typeface="Franklin Gothic Book"/>
-              </a:rPr>
-              <a:t>• </a:t>
-            </a:r>
-            <a:r>
-              <a:rPr lang="en-US" sz="4400" dirty="0" err="1">
-                <a:latin typeface="Franklin Gothic Book"/>
-                <a:cs typeface="Franklin Gothic Book"/>
-              </a:rPr>
-              <a:t>Discription</a:t>
-            </a:r>
-            <a:r>
-              <a:rPr lang="en-US" sz="4400" dirty="0">
-                <a:latin typeface="Franklin Gothic Book"/>
-                <a:cs typeface="Franklin Gothic Book"/>
-              </a:rPr>
-              <a:t> of </a:t>
-            </a:r>
-            <a:r>
-              <a:rPr lang="en-US" sz="4400" dirty="0" smtClean="0">
-                <a:latin typeface="Franklin Gothic Book"/>
-                <a:cs typeface="Franklin Gothic Book"/>
-              </a:rPr>
-              <a:t>simulation</a:t>
-            </a:r>
-            <a:endParaRPr lang="en-US" sz="4400" dirty="0">
-              <a:latin typeface="Franklin Gothic Book"/>
-              <a:cs typeface="Franklin Gothic Book"/>
-            </a:endParaRPr>
-          </a:p>
-        </p:txBody>
-      </p:sp>
-      <p:sp>
-        <p:nvSpPr>
-          <p:cNvPr id="79" name="TextBox 78"/>
+        </p:txBody>
+      </p:sp>
+      <p:cxnSp>
+        <p:nvCxnSpPr>
+          <p:cNvPr id="81" name="Straight Connector 80"/>
+          <p:cNvCxnSpPr/>
+          <p:nvPr/>
+        </p:nvCxnSpPr>
+        <p:spPr>
+          <a:xfrm flipH="1">
+            <a:off x="5084848" y="24620983"/>
+            <a:ext cx="262097" cy="739755"/>
+          </a:xfrm>
+          <a:prstGeom prst="line">
+            <a:avLst/>
+          </a:prstGeom>
+          <a:ln w="76200">
+            <a:headEnd type="none" w="med" len="med"/>
+            <a:tailEnd type="triangle" w="med" len="med"/>
+          </a:ln>
+        </p:spPr>
+        <p:style>
+          <a:lnRef idx="2">
+            <a:schemeClr val="accent2"/>
+          </a:lnRef>
+          <a:fillRef idx="0">
+            <a:schemeClr val="accent2"/>
+          </a:fillRef>
+          <a:effectRef idx="1">
+            <a:schemeClr val="accent2"/>
+          </a:effectRef>
+          <a:fontRef idx="minor">
+            <a:schemeClr val="tx1"/>
+          </a:fontRef>
+        </p:style>
+      </p:cxnSp>
+      <p:sp>
+        <p:nvSpPr>
+          <p:cNvPr id="143" name="Rectangle 142"/>
+          <p:cNvSpPr/>
+          <p:nvPr/>
+        </p:nvSpPr>
+        <p:spPr>
+          <a:xfrm>
+            <a:off x="8131495" y="25537969"/>
+            <a:ext cx="1230329" cy="2069464"/>
+          </a:xfrm>
+          <a:prstGeom prst="rect">
+            <a:avLst/>
+          </a:prstGeom>
+          <a:noFill/>
+          <a:ln w="76200">
+            <a:solidFill>
+              <a:schemeClr val="accent1">
+                <a:lumMod val="50000"/>
+              </a:schemeClr>
+            </a:solidFill>
+          </a:ln>
+        </p:spPr>
+        <p:style>
+          <a:lnRef idx="2">
+            <a:schemeClr val="accent6"/>
+          </a:lnRef>
+          <a:fillRef idx="1">
+            <a:schemeClr val="lt1"/>
+          </a:fillRef>
+          <a:effectRef idx="0">
+            <a:schemeClr val="accent6"/>
+          </a:effectRef>
+          <a:fontRef idx="minor">
+            <a:schemeClr val="dk1"/>
+          </a:fontRef>
+        </p:style>
+        <p:txBody>
+          <a:bodyPr rtlCol="0" anchor="ctr"/>
+          <a:lstStyle/>
+          <a:p>
+            <a:pPr algn="ctr"/>
+            <a:endParaRPr lang="en-US"/>
+          </a:p>
+        </p:txBody>
+      </p:sp>
+      <p:cxnSp>
+        <p:nvCxnSpPr>
+          <p:cNvPr id="144" name="Straight Arrow Connector 143"/>
+          <p:cNvCxnSpPr/>
+          <p:nvPr/>
+        </p:nvCxnSpPr>
+        <p:spPr>
+          <a:xfrm flipH="1">
+            <a:off x="9374781" y="24702184"/>
+            <a:ext cx="709090" cy="802339"/>
+          </a:xfrm>
+          <a:prstGeom prst="straightConnector1">
+            <a:avLst/>
+          </a:prstGeom>
+          <a:ln w="57150">
+            <a:solidFill>
+              <a:schemeClr val="accent1">
+                <a:lumMod val="50000"/>
+              </a:schemeClr>
+            </a:solidFill>
+            <a:tailEnd type="triangle"/>
+          </a:ln>
+          <a:effectLst>
+            <a:outerShdw blurRad="50800" dist="38100" dir="2700000" algn="tl" rotWithShape="0">
+              <a:prstClr val="black">
+                <a:alpha val="40000"/>
+              </a:prstClr>
+            </a:outerShdw>
+          </a:effectLst>
+        </p:spPr>
+        <p:style>
+          <a:lnRef idx="2">
+            <a:schemeClr val="accent1"/>
+          </a:lnRef>
+          <a:fillRef idx="0">
+            <a:schemeClr val="accent1"/>
+          </a:fillRef>
+          <a:effectRef idx="1">
+            <a:schemeClr val="accent1"/>
+          </a:effectRef>
+          <a:fontRef idx="minor">
+            <a:schemeClr val="tx1"/>
+          </a:fontRef>
+        </p:style>
+      </p:cxnSp>
+      <p:sp>
+        <p:nvSpPr>
+          <p:cNvPr id="146" name="TextBox 145"/>
           <p:cNvSpPr txBox="1"/>
           <p:nvPr/>
         </p:nvSpPr>
         <p:spPr>
           <a:xfrm>
-            <a:off x="1388809" y="28904896"/>
-            <a:ext cx="25658599" cy="2800761"/>
+            <a:off x="9008950" y="24195280"/>
+            <a:ext cx="2595716" cy="584775"/>
           </a:xfrm>
           <a:prstGeom prst="rect">
             <a:avLst/>
@@ -5125,180 +5973,41 @@
           <a:noFill/>
         </p:spPr>
         <p:txBody>
-          <a:bodyPr wrap="none" lIns="91434" tIns="45717" rIns="91434" bIns="45717" rtlCol="0">
+          <a:bodyPr wrap="square" rtlCol="0">
             <a:spAutoFit/>
           </a:bodyPr>
           <a:lstStyle/>
           <a:p>
             <a:r>
-              <a:rPr lang="en-US" sz="4400" dirty="0"/>
-              <a:t>[1] Chowdhury, </a:t>
-            </a:r>
-            <a:r>
-              <a:rPr lang="en-US" sz="4400" dirty="0" err="1"/>
-              <a:t>Mosharaf</a:t>
-            </a:r>
-            <a:r>
-              <a:rPr lang="en-US" sz="4400" dirty="0"/>
-              <a:t> and Ion </a:t>
-            </a:r>
-            <a:r>
-              <a:rPr lang="en-US" sz="4400" dirty="0" err="1"/>
-              <a:t>Stoica</a:t>
-            </a:r>
-            <a:r>
-              <a:rPr lang="en-US" sz="4400" dirty="0"/>
-              <a:t>, </a:t>
-            </a:r>
-            <a:r>
-              <a:rPr lang="en-US" sz="4400" i="1" dirty="0"/>
-              <a:t>Efficient </a:t>
-            </a:r>
-            <a:r>
-              <a:rPr lang="en-US" sz="4400" i="1" dirty="0" err="1"/>
+              <a:rPr lang="en-US" sz="3200" b="1" dirty="0" err="1" smtClean="0">
+                <a:solidFill>
+                  <a:schemeClr val="accent1">
+                    <a:lumMod val="50000"/>
+                  </a:schemeClr>
+                </a:solidFill>
+              </a:rPr>
               <a:t>Coflow</a:t>
             </a:r>
-            <a:r>
-              <a:rPr lang="en-US" sz="4400" i="1" dirty="0"/>
-              <a:t> Scheduling Without Prior Knowledge</a:t>
-            </a:r>
-            <a:r>
-              <a:rPr lang="en-US" sz="4400" dirty="0"/>
-              <a:t>, SIGCOMM </a:t>
-            </a:r>
-            <a:r>
-              <a:rPr lang="en-US" sz="4400" dirty="0" smtClean="0"/>
-              <a:t>2015</a:t>
-            </a:r>
-          </a:p>
-          <a:p>
-            <a:r>
-              <a:rPr lang="en-US" sz="4400" dirty="0"/>
-              <a:t>[2] </a:t>
-            </a:r>
-            <a:r>
-              <a:rPr lang="en-US" sz="4400" dirty="0" err="1"/>
-              <a:t>Chowdhury</a:t>
-            </a:r>
-            <a:r>
-              <a:rPr lang="en-US" sz="4400" dirty="0"/>
-              <a:t>, </a:t>
-            </a:r>
-            <a:r>
-              <a:rPr lang="en-US" sz="4400" dirty="0" err="1"/>
-              <a:t>Mosharaf</a:t>
-            </a:r>
-            <a:r>
-              <a:rPr lang="en-US" sz="4400" dirty="0"/>
-              <a:t>, Yuan </a:t>
-            </a:r>
-            <a:r>
-              <a:rPr lang="en-US" sz="4400" dirty="0" err="1"/>
-              <a:t>Zhong</a:t>
-            </a:r>
-            <a:r>
-              <a:rPr lang="en-US" sz="4400" dirty="0"/>
-              <a:t> and Ion </a:t>
-            </a:r>
-            <a:r>
-              <a:rPr lang="en-US" sz="4400" dirty="0" err="1"/>
-              <a:t>Stoica</a:t>
-            </a:r>
-            <a:r>
-              <a:rPr lang="en-US" sz="4400" dirty="0"/>
-              <a:t>, </a:t>
-            </a:r>
-            <a:r>
-              <a:rPr lang="en-US" sz="4400" i="1" dirty="0"/>
-              <a:t>Efficient </a:t>
-            </a:r>
-            <a:r>
-              <a:rPr lang="en-US" sz="4400" i="1" dirty="0" err="1"/>
-              <a:t>Coflow</a:t>
-            </a:r>
-            <a:r>
-              <a:rPr lang="en-US" sz="4400" i="1" dirty="0"/>
-              <a:t> Scheduling with </a:t>
-            </a:r>
-            <a:r>
-              <a:rPr lang="en-US" sz="4400" i="1" dirty="0" err="1"/>
-              <a:t>Varys</a:t>
-            </a:r>
-            <a:r>
-              <a:rPr lang="en-US" sz="4400" i="1" dirty="0"/>
-              <a:t>, </a:t>
-            </a:r>
-            <a:r>
-              <a:rPr lang="en-US" sz="4400" dirty="0"/>
-              <a:t>SIGCOMM </a:t>
-            </a:r>
-            <a:r>
-              <a:rPr lang="en-US" sz="4400" dirty="0" smtClean="0"/>
-              <a:t>2014</a:t>
-            </a:r>
-          </a:p>
-          <a:p>
-            <a:r>
-              <a:rPr lang="en-US" sz="4400" dirty="0" err="1"/>
-              <a:t>Chowdhury</a:t>
-            </a:r>
-            <a:r>
-              <a:rPr lang="en-US" sz="4400" dirty="0"/>
-              <a:t>, </a:t>
-            </a:r>
-            <a:r>
-              <a:rPr lang="en-US" sz="4400" dirty="0" err="1"/>
-              <a:t>Mosharaf</a:t>
-            </a:r>
-            <a:r>
-              <a:rPr lang="en-US" sz="4400" dirty="0"/>
-              <a:t> and Ion </a:t>
-            </a:r>
-            <a:r>
-              <a:rPr lang="en-US" sz="4400" dirty="0" err="1"/>
-              <a:t>Stoica</a:t>
-            </a:r>
-            <a:r>
-              <a:rPr lang="en-US" sz="4400" dirty="0"/>
-              <a:t>, </a:t>
-            </a:r>
-            <a:r>
-              <a:rPr lang="en-US" sz="4400" i="1" dirty="0" err="1"/>
-              <a:t>Coflow</a:t>
-            </a:r>
-            <a:r>
-              <a:rPr lang="en-US" sz="4400" i="1" dirty="0"/>
-              <a:t>: A Networking Abstraction for Cluster Applications, </a:t>
-            </a:r>
-            <a:r>
-              <a:rPr lang="en-US" sz="4400" dirty="0" err="1"/>
-              <a:t>Hotnets</a:t>
-            </a:r>
-            <a:r>
-              <a:rPr lang="en-US" sz="4400" dirty="0"/>
-              <a:t> </a:t>
-            </a:r>
-            <a:r>
-              <a:rPr lang="en-US" sz="4400" dirty="0" smtClean="0"/>
-              <a:t>2012</a:t>
-            </a:r>
-            <a:endParaRPr lang="en-US" sz="4400" i="1" dirty="0"/>
-          </a:p>
-          <a:p>
-            <a:endParaRPr lang="en-US" sz="4400" i="1" dirty="0"/>
-          </a:p>
-        </p:txBody>
-      </p:sp>
-      <p:sp>
-        <p:nvSpPr>
-          <p:cNvPr id="82" name="TextBox 81"/>
+            <a:endParaRPr lang="en-US" sz="3200" b="1" dirty="0">
+              <a:solidFill>
+                <a:schemeClr val="accent1">
+                  <a:lumMod val="50000"/>
+                </a:schemeClr>
+              </a:solidFill>
+            </a:endParaRPr>
+          </a:p>
+        </p:txBody>
+      </p:sp>
+      <p:sp>
+        <p:nvSpPr>
+          <p:cNvPr id="147" name="TextBox 146"/>
           <p:cNvSpPr txBox="1"/>
           <p:nvPr/>
         </p:nvSpPr>
         <p:spPr>
           <a:xfrm>
-            <a:off x="1384189" y="28135461"/>
-            <a:ext cx="2781669" cy="769435"/>
+            <a:off x="5275838" y="24171217"/>
+            <a:ext cx="2595716" cy="584775"/>
           </a:xfrm>
           <a:prstGeom prst="rect">
             <a:avLst/>
@@ -5306,16 +6015,385 @@
           <a:noFill/>
         </p:spPr>
         <p:txBody>
-          <a:bodyPr wrap="none" lIns="91434" tIns="45717" rIns="91434" bIns="45717" rtlCol="0">
+          <a:bodyPr wrap="square" rtlCol="0">
             <a:spAutoFit/>
           </a:bodyPr>
           <a:lstStyle/>
           <a:p>
             <a:r>
-              <a:rPr lang="en-US" sz="4400" b="1" dirty="0"/>
-              <a:t>References</a:t>
-            </a:r>
-            <a:endParaRPr lang="en-US" sz="4400" b="1" dirty="0"/>
+              <a:rPr lang="en-US" sz="3200" b="1" dirty="0" smtClean="0">
+                <a:solidFill>
+                  <a:srgbClr val="C00000"/>
+                </a:solidFill>
+              </a:rPr>
+              <a:t>Threshold = X</a:t>
+            </a:r>
+            <a:endParaRPr lang="en-US" sz="3200" b="1" dirty="0">
+              <a:solidFill>
+                <a:srgbClr val="C00000"/>
+              </a:solidFill>
+            </a:endParaRPr>
+          </a:p>
+        </p:txBody>
+      </p:sp>
+      <p:grpSp>
+        <p:nvGrpSpPr>
+          <p:cNvPr id="148" name="Group 147"/>
+          <p:cNvGrpSpPr/>
+          <p:nvPr/>
+        </p:nvGrpSpPr>
+        <p:grpSpPr>
+          <a:xfrm>
+            <a:off x="3233238" y="28807619"/>
+            <a:ext cx="8216038" cy="2450513"/>
+            <a:chOff x="15884236" y="27933933"/>
+            <a:chExt cx="5073812" cy="1936388"/>
+          </a:xfrm>
+        </p:grpSpPr>
+        <p:cxnSp>
+          <p:nvCxnSpPr>
+            <p:cNvPr id="149" name="Straight Connector 148"/>
+            <p:cNvCxnSpPr/>
+            <p:nvPr/>
+          </p:nvCxnSpPr>
+          <p:spPr>
+            <a:xfrm>
+              <a:off x="15884236" y="27933933"/>
+              <a:ext cx="5073812" cy="0"/>
+            </a:xfrm>
+            <a:prstGeom prst="line">
+              <a:avLst/>
+            </a:prstGeom>
+          </p:spPr>
+          <p:style>
+            <a:lnRef idx="2">
+              <a:schemeClr val="dk1"/>
+            </a:lnRef>
+            <a:fillRef idx="0">
+              <a:schemeClr val="dk1"/>
+            </a:fillRef>
+            <a:effectRef idx="1">
+              <a:schemeClr val="dk1"/>
+            </a:effectRef>
+            <a:fontRef idx="minor">
+              <a:schemeClr val="tx1"/>
+            </a:fontRef>
+          </p:style>
+        </p:cxnSp>
+        <p:cxnSp>
+          <p:nvCxnSpPr>
+            <p:cNvPr id="150" name="Straight Connector 149"/>
+            <p:cNvCxnSpPr/>
+            <p:nvPr/>
+          </p:nvCxnSpPr>
+          <p:spPr>
+            <a:xfrm>
+              <a:off x="15884236" y="27933933"/>
+              <a:ext cx="0" cy="1936388"/>
+            </a:xfrm>
+            <a:prstGeom prst="line">
+              <a:avLst/>
+            </a:prstGeom>
+          </p:spPr>
+          <p:style>
+            <a:lnRef idx="2">
+              <a:schemeClr val="dk1"/>
+            </a:lnRef>
+            <a:fillRef idx="0">
+              <a:schemeClr val="dk1"/>
+            </a:fillRef>
+            <a:effectRef idx="1">
+              <a:schemeClr val="dk1"/>
+            </a:effectRef>
+            <a:fontRef idx="minor">
+              <a:schemeClr val="tx1"/>
+            </a:fontRef>
+          </p:style>
+        </p:cxnSp>
+        <p:cxnSp>
+          <p:nvCxnSpPr>
+            <p:cNvPr id="151" name="Straight Connector 150"/>
+            <p:cNvCxnSpPr/>
+            <p:nvPr/>
+          </p:nvCxnSpPr>
+          <p:spPr>
+            <a:xfrm>
+              <a:off x="15884236" y="29870321"/>
+              <a:ext cx="5073812" cy="0"/>
+            </a:xfrm>
+            <a:prstGeom prst="line">
+              <a:avLst/>
+            </a:prstGeom>
+          </p:spPr>
+          <p:style>
+            <a:lnRef idx="2">
+              <a:schemeClr val="dk1"/>
+            </a:lnRef>
+            <a:fillRef idx="0">
+              <a:schemeClr val="dk1"/>
+            </a:fillRef>
+            <a:effectRef idx="1">
+              <a:schemeClr val="dk1"/>
+            </a:effectRef>
+            <a:fontRef idx="minor">
+              <a:schemeClr val="tx1"/>
+            </a:fontRef>
+          </p:style>
+        </p:cxnSp>
+      </p:grpSp>
+      <p:sp>
+        <p:nvSpPr>
+          <p:cNvPr id="153" name="Rectangle 152"/>
+          <p:cNvSpPr/>
+          <p:nvPr/>
+        </p:nvSpPr>
+        <p:spPr>
+          <a:xfrm>
+            <a:off x="4998780" y="25360295"/>
+            <a:ext cx="152400" cy="2425085"/>
+          </a:xfrm>
+          <a:prstGeom prst="rect">
+            <a:avLst/>
+          </a:prstGeom>
+        </p:spPr>
+        <p:style>
+          <a:lnRef idx="2">
+            <a:schemeClr val="accent2">
+              <a:shade val="50000"/>
+            </a:schemeClr>
+          </a:lnRef>
+          <a:fillRef idx="1">
+            <a:schemeClr val="accent2"/>
+          </a:fillRef>
+          <a:effectRef idx="0">
+            <a:schemeClr val="accent2"/>
+          </a:effectRef>
+          <a:fontRef idx="minor">
+            <a:schemeClr val="lt1"/>
+          </a:fontRef>
+        </p:style>
+        <p:txBody>
+          <a:bodyPr rtlCol="0" anchor="ctr"/>
+          <a:lstStyle/>
+          <a:p>
+            <a:pPr algn="ctr"/>
+            <a:endParaRPr lang="en-US"/>
+          </a:p>
+        </p:txBody>
+      </p:sp>
+      <p:sp>
+        <p:nvSpPr>
+          <p:cNvPr id="154" name="TextBox 153"/>
+          <p:cNvSpPr txBox="1"/>
+          <p:nvPr/>
+        </p:nvSpPr>
+        <p:spPr>
+          <a:xfrm>
+            <a:off x="1099566" y="26200479"/>
+            <a:ext cx="2595716" cy="1077218"/>
+          </a:xfrm>
+          <a:prstGeom prst="rect">
+            <a:avLst/>
+          </a:prstGeom>
+          <a:noFill/>
+        </p:spPr>
+        <p:txBody>
+          <a:bodyPr wrap="square" rtlCol="0">
+            <a:spAutoFit/>
+          </a:bodyPr>
+          <a:lstStyle/>
+          <a:p>
+            <a:r>
+              <a:rPr lang="en-US" sz="3200" b="1" dirty="0" smtClean="0"/>
+              <a:t>Level 1</a:t>
+            </a:r>
+            <a:br>
+              <a:rPr lang="en-US" sz="3200" b="1" dirty="0" smtClean="0"/>
+            </a:br>
+            <a:r>
+              <a:rPr lang="en-US" sz="3200" b="1" dirty="0" smtClean="0"/>
+              <a:t>Queue</a:t>
+            </a:r>
+            <a:endParaRPr lang="en-US" sz="3200" b="1" dirty="0"/>
+          </a:p>
+        </p:txBody>
+      </p:sp>
+      <p:sp>
+        <p:nvSpPr>
+          <p:cNvPr id="155" name="TextBox 154"/>
+          <p:cNvSpPr txBox="1"/>
+          <p:nvPr/>
+        </p:nvSpPr>
+        <p:spPr>
+          <a:xfrm>
+            <a:off x="1099566" y="29522141"/>
+            <a:ext cx="2595716" cy="1077218"/>
+          </a:xfrm>
+          <a:prstGeom prst="rect">
+            <a:avLst/>
+          </a:prstGeom>
+          <a:noFill/>
+        </p:spPr>
+        <p:txBody>
+          <a:bodyPr wrap="square" rtlCol="0">
+            <a:spAutoFit/>
+          </a:bodyPr>
+          <a:lstStyle/>
+          <a:p>
+            <a:r>
+              <a:rPr lang="en-US" sz="3200" b="1" dirty="0" smtClean="0"/>
+              <a:t>Level N</a:t>
+            </a:r>
+            <a:br>
+              <a:rPr lang="en-US" sz="3200" b="1" dirty="0" smtClean="0"/>
+            </a:br>
+            <a:r>
+              <a:rPr lang="en-US" sz="3200" b="1" dirty="0" smtClean="0"/>
+              <a:t>Queue</a:t>
+            </a:r>
+            <a:endParaRPr lang="en-US" sz="3200" b="1" dirty="0"/>
+          </a:p>
+        </p:txBody>
+      </p:sp>
+      <p:sp>
+        <p:nvSpPr>
+          <p:cNvPr id="157" name="TextBox 156"/>
+          <p:cNvSpPr txBox="1"/>
+          <p:nvPr/>
+        </p:nvSpPr>
+        <p:spPr>
+          <a:xfrm>
+            <a:off x="6573696" y="27280142"/>
+            <a:ext cx="946093" cy="1415772"/>
+          </a:xfrm>
+          <a:prstGeom prst="rect">
+            <a:avLst/>
+          </a:prstGeom>
+          <a:noFill/>
+        </p:spPr>
+        <p:txBody>
+          <a:bodyPr wrap="none" rtlCol="0">
+            <a:spAutoFit/>
+          </a:bodyPr>
+          <a:lstStyle/>
+          <a:p>
+            <a:r>
+              <a:rPr lang="en-US" dirty="0" smtClean="0"/>
+              <a:t>…</a:t>
+            </a:r>
+            <a:endParaRPr lang="en-US" dirty="0"/>
+          </a:p>
+        </p:txBody>
+      </p:sp>
+      <p:cxnSp>
+        <p:nvCxnSpPr>
+          <p:cNvPr id="158" name="Straight Connector 157"/>
+          <p:cNvCxnSpPr/>
+          <p:nvPr/>
+        </p:nvCxnSpPr>
+        <p:spPr>
+          <a:xfrm flipH="1">
+            <a:off x="10323711" y="28421281"/>
+            <a:ext cx="611536" cy="412209"/>
+          </a:xfrm>
+          <a:prstGeom prst="line">
+            <a:avLst/>
+          </a:prstGeom>
+          <a:ln w="76200">
+            <a:headEnd type="none" w="med" len="med"/>
+            <a:tailEnd type="triangle" w="med" len="med"/>
+          </a:ln>
+        </p:spPr>
+        <p:style>
+          <a:lnRef idx="2">
+            <a:schemeClr val="accent2"/>
+          </a:lnRef>
+          <a:fillRef idx="0">
+            <a:schemeClr val="accent2"/>
+          </a:fillRef>
+          <a:effectRef idx="1">
+            <a:schemeClr val="accent2"/>
+          </a:effectRef>
+          <a:fontRef idx="minor">
+            <a:schemeClr val="tx1"/>
+          </a:fontRef>
+        </p:style>
+      </p:cxnSp>
+      <p:sp>
+        <p:nvSpPr>
+          <p:cNvPr id="159" name="TextBox 158"/>
+          <p:cNvSpPr txBox="1"/>
+          <p:nvPr/>
+        </p:nvSpPr>
+        <p:spPr>
+          <a:xfrm>
+            <a:off x="10885449" y="27952274"/>
+            <a:ext cx="2595716" cy="584775"/>
+          </a:xfrm>
+          <a:prstGeom prst="rect">
+            <a:avLst/>
+          </a:prstGeom>
+          <a:noFill/>
+        </p:spPr>
+        <p:txBody>
+          <a:bodyPr wrap="square" rtlCol="0">
+            <a:spAutoFit/>
+          </a:bodyPr>
+          <a:lstStyle/>
+          <a:p>
+            <a:r>
+              <a:rPr lang="en-US" sz="3200" b="1" dirty="0" smtClean="0">
+                <a:solidFill>
+                  <a:srgbClr val="C00000"/>
+                </a:solidFill>
+              </a:rPr>
+              <a:t>Threshold = X</a:t>
+            </a:r>
+            <a:endParaRPr lang="en-US" sz="3200" b="1" dirty="0">
+              <a:solidFill>
+                <a:srgbClr val="C00000"/>
+              </a:solidFill>
+            </a:endParaRPr>
+          </a:p>
+        </p:txBody>
+      </p:sp>
+      <p:sp>
+        <p:nvSpPr>
+          <p:cNvPr id="160" name="Rectangle 159"/>
+          <p:cNvSpPr/>
+          <p:nvPr/>
+        </p:nvSpPr>
+        <p:spPr>
+          <a:xfrm>
+            <a:off x="10237642" y="28833047"/>
+            <a:ext cx="152400" cy="2425085"/>
+          </a:xfrm>
+          <a:prstGeom prst="rect">
+            <a:avLst/>
+          </a:prstGeom>
+        </p:spPr>
+        <p:style>
+          <a:lnRef idx="2">
+            <a:schemeClr val="accent2">
+              <a:shade val="50000"/>
+            </a:schemeClr>
+          </a:lnRef>
+          <a:fillRef idx="1">
+            <a:schemeClr val="accent2"/>
+          </a:fillRef>
+          <a:effectRef idx="0">
+            <a:schemeClr val="accent2"/>
+          </a:effectRef>
+          <a:fontRef idx="minor">
+            <a:schemeClr val="lt1"/>
+          </a:fontRef>
+        </p:style>
+        <p:txBody>
+          <a:bodyPr rtlCol="0" anchor="ctr"/>
+          <a:lstStyle/>
+          <a:p>
+            <a:pPr algn="ctr"/>
+            <a:endParaRPr lang="en-US"/>
           </a:p>
         </p:txBody>
       </p:sp>
